--- a/Проект «Помощник спасателя».pptx
+++ b/Проект «Помощник спасателя».pptx
@@ -8,9 +8,10 @@
     <p:sldId id="256" r:id="rId2"/>
     <p:sldId id="257" r:id="rId3"/>
     <p:sldId id="260" r:id="rId4"/>
-    <p:sldId id="258" r:id="rId5"/>
-    <p:sldId id="261" r:id="rId6"/>
-    <p:sldId id="259" r:id="rId7"/>
+    <p:sldId id="262" r:id="rId5"/>
+    <p:sldId id="258" r:id="rId6"/>
+    <p:sldId id="261" r:id="rId7"/>
+    <p:sldId id="259" r:id="rId8"/>
   </p:sldIdLst>
   <p:sldSz cx="12192000" cy="6858000"/>
   <p:notesSz cx="6858000" cy="9144000"/>
@@ -3238,14 +3239,19 @@
             <p:ph type="title"/>
           </p:nvPr>
         </p:nvSpPr>
-        <p:spPr/>
+        <p:spPr>
+          <a:xfrm>
+            <a:off x="545869" y="120699"/>
+            <a:ext cx="8789517" cy="565102"/>
+          </a:xfrm>
+        </p:spPr>
         <p:txBody>
           <a:bodyPr/>
           <a:lstStyle/>
           <a:p>
             <a:r>
-              <a:rPr lang="ru-RU" dirty="0"/>
-              <a:t>ЗАГОЛОВОК</a:t>
+              <a:rPr lang="ru-RU" sz="3600" dirty="0"/>
+              <a:t>Описание реализации</a:t>
             </a:r>
           </a:p>
         </p:txBody>
@@ -3307,10 +3313,108 @@
           </a:p>
         </p:txBody>
       </p:sp>
+      <p:sp>
+        <p:nvSpPr>
+          <p:cNvPr id="4" name="Прямоугольник 3">
+            <a:extLst>
+              <a:ext uri="{FF2B5EF4-FFF2-40B4-BE49-F238E27FC236}">
+                <a16:creationId xmlns:a16="http://schemas.microsoft.com/office/drawing/2014/main" id="{D6275BF4-40C2-49B3-BA5E-C194AD58E00D}"/>
+              </a:ext>
+            </a:extLst>
+          </p:cNvPr>
+          <p:cNvSpPr/>
+          <p:nvPr/>
+        </p:nvSpPr>
+        <p:spPr>
+          <a:xfrm>
+            <a:off x="307648" y="1104991"/>
+            <a:ext cx="11767559" cy="1938992"/>
+          </a:xfrm>
+          <a:prstGeom prst="rect">
+            <a:avLst/>
+          </a:prstGeom>
+        </p:spPr>
+        <p:txBody>
+          <a:bodyPr wrap="square">
+            <a:spAutoFit/>
+          </a:bodyPr>
+          <a:lstStyle/>
+          <a:p>
+            <a:r>
+              <a:rPr lang="ru-RU" sz="2400" dirty="0"/>
+              <a:t>Для связи между устройствами используется протокол </a:t>
+            </a:r>
+            <a:r>
+              <a:rPr lang="en-US" sz="2400" b="1" dirty="0"/>
+              <a:t>MQTT</a:t>
+            </a:r>
+            <a:r>
+              <a:rPr lang="en-US" sz="2400" dirty="0"/>
+              <a:t>. </a:t>
+            </a:r>
+            <a:r>
+              <a:rPr lang="ru-RU" sz="2400" dirty="0"/>
+              <a:t>Сервер на </a:t>
+            </a:r>
+            <a:r>
+              <a:rPr lang="en-US" sz="2400" b="1" dirty="0"/>
+              <a:t>NodeJS</a:t>
+            </a:r>
+            <a:r>
+              <a:rPr lang="ru-RU" sz="2400" b="1" dirty="0"/>
+              <a:t> </a:t>
+            </a:r>
+            <a:r>
+              <a:rPr lang="ru-RU" sz="2400" dirty="0"/>
+              <a:t>принимает сообщения по </a:t>
+            </a:r>
+            <a:r>
+              <a:rPr lang="en-US" sz="2400" dirty="0"/>
+              <a:t>MQTT </a:t>
+            </a:r>
+            <a:r>
+              <a:rPr lang="ru-RU" sz="2400" dirty="0"/>
+              <a:t>и выдаёт маякам команды на испускание ультразвука. Клиентская часть, предназначенная для показа спасателю местоположений пловцов и выдачи в случае чего сигнала тревоги написана на (</a:t>
+            </a:r>
+            <a:r>
+              <a:rPr lang="en-US" sz="2400" dirty="0"/>
+              <a:t>HTML + JS + CSS; </a:t>
+            </a:r>
+            <a:r>
+              <a:rPr lang="ru-RU" sz="2400" dirty="0"/>
+              <a:t>используется </a:t>
+            </a:r>
+            <a:r>
+              <a:rPr lang="en-US" sz="2400" dirty="0"/>
+              <a:t>Webpack </a:t>
+            </a:r>
+            <a:r>
+              <a:rPr lang="ru-RU" sz="2400" dirty="0"/>
+              <a:t>для сборки), для связи с </a:t>
+            </a:r>
+            <a:r>
+              <a:rPr lang="en-US" sz="2400" dirty="0"/>
+              <a:t>NodeJS-</a:t>
+            </a:r>
+            <a:r>
+              <a:rPr lang="ru-RU" sz="2400" dirty="0" err="1"/>
+              <a:t>бекендом</a:t>
+            </a:r>
+            <a:r>
+              <a:rPr lang="ru-RU" sz="2400" dirty="0"/>
+              <a:t> используется </a:t>
+            </a:r>
+            <a:r>
+              <a:rPr lang="en-US" sz="2400" b="1" dirty="0"/>
+              <a:t>Socket.io</a:t>
+            </a:r>
+          </a:p>
+        </p:txBody>
+      </p:sp>
     </p:spTree>
     <p:extLst>
       <p:ext uri="{BB962C8B-B14F-4D97-AF65-F5344CB8AC3E}">
-        <p14:creationId xmlns:p14="http://schemas.microsoft.com/office/powerpoint/2010/main" val="2183078572"/>
+        <p14:creationId xmlns:p14="http://schemas.microsoft.com/office/powerpoint/2010/main" val="438062149"/>
       </p:ext>
     </p:extLst>
   </p:cSld>
@@ -3359,6 +3463,127 @@
             <p:ph type="title"/>
           </p:nvPr>
         </p:nvSpPr>
+        <p:spPr/>
+        <p:txBody>
+          <a:bodyPr/>
+          <a:lstStyle/>
+          <a:p>
+            <a:r>
+              <a:rPr lang="ru-RU" dirty="0"/>
+              <a:t>ЗАГОЛОВОК</a:t>
+            </a:r>
+          </a:p>
+        </p:txBody>
+      </p:sp>
+      <p:sp>
+        <p:nvSpPr>
+          <p:cNvPr id="3" name="Прямоугольник 2">
+            <a:extLst>
+              <a:ext uri="{FF2B5EF4-FFF2-40B4-BE49-F238E27FC236}">
+                <a16:creationId xmlns:a16="http://schemas.microsoft.com/office/drawing/2014/main" id="{59571F31-9151-41CC-B714-AC2C8103A133}"/>
+              </a:ext>
+            </a:extLst>
+          </p:cNvPr>
+          <p:cNvSpPr/>
+          <p:nvPr/>
+        </p:nvSpPr>
+        <p:spPr>
+          <a:xfrm>
+            <a:off x="8975725" y="6314836"/>
+            <a:ext cx="3168650" cy="514350"/>
+          </a:xfrm>
+          <a:prstGeom prst="rect">
+            <a:avLst/>
+          </a:prstGeom>
+          <a:solidFill>
+            <a:schemeClr val="bg1"/>
+          </a:solidFill>
+          <a:ln>
+            <a:solidFill>
+              <a:schemeClr val="bg1"/>
+            </a:solidFill>
+          </a:ln>
+          <a:effectLst>
+            <a:softEdge rad="127000"/>
+          </a:effectLst>
+        </p:spPr>
+        <p:style>
+          <a:lnRef idx="2">
+            <a:schemeClr val="accent1">
+              <a:shade val="50000"/>
+            </a:schemeClr>
+          </a:lnRef>
+          <a:fillRef idx="1">
+            <a:schemeClr val="accent1"/>
+          </a:fillRef>
+          <a:effectRef idx="0">
+            <a:schemeClr val="accent1"/>
+          </a:effectRef>
+          <a:fontRef idx="minor">
+            <a:schemeClr val="lt1"/>
+          </a:fontRef>
+        </p:style>
+        <p:txBody>
+          <a:bodyPr rtlCol="0" anchor="ctr"/>
+          <a:lstStyle/>
+          <a:p>
+            <a:pPr algn="ctr"/>
+            <a:endParaRPr lang="ru-RU"/>
+          </a:p>
+        </p:txBody>
+      </p:sp>
+    </p:spTree>
+    <p:extLst>
+      <p:ext uri="{BB962C8B-B14F-4D97-AF65-F5344CB8AC3E}">
+        <p14:creationId xmlns:p14="http://schemas.microsoft.com/office/powerpoint/2010/main" val="2183078572"/>
+      </p:ext>
+    </p:extLst>
+  </p:cSld>
+  <p:clrMapOvr>
+    <a:masterClrMapping/>
+  </p:clrMapOvr>
+  <mc:AlternateContent xmlns:mc="http://schemas.openxmlformats.org/markup-compatibility/2006" xmlns:p14="http://schemas.microsoft.com/office/powerpoint/2010/main">
+    <mc:Choice Requires="p14">
+      <p:transition spd="med" p14:dur="700">
+        <p:fade/>
+      </p:transition>
+    </mc:Choice>
+    <mc:Fallback xmlns="">
+      <p:transition spd="med">
+        <p:fade/>
+      </p:transition>
+    </mc:Fallback>
+  </mc:AlternateContent>
+</p:sld>
+</file>
+
+<file path=ppt/slides/slide6.xml><?xml version="1.0" encoding="utf-8"?>
+<p:sld xmlns:a="http://schemas.openxmlformats.org/drawingml/2006/main" xmlns:r="http://schemas.openxmlformats.org/officeDocument/2006/relationships" xmlns:p="http://schemas.openxmlformats.org/presentationml/2006/main">
+  <p:cSld>
+    <p:spTree>
+      <p:nvGrpSpPr>
+        <p:cNvPr id="1" name=""/>
+        <p:cNvGrpSpPr/>
+        <p:nvPr/>
+      </p:nvGrpSpPr>
+      <p:grpSpPr>
+        <a:xfrm>
+          <a:off x="0" y="0"/>
+          <a:ext cx="0" cy="0"/>
+          <a:chOff x="0" y="0"/>
+          <a:chExt cx="0" cy="0"/>
+        </a:xfrm>
+      </p:grpSpPr>
+      <p:sp>
+        <p:nvSpPr>
+          <p:cNvPr id="2" name="Заголовок 1"/>
+          <p:cNvSpPr>
+            <a:spLocks noGrp="1"/>
+          </p:cNvSpPr>
+          <p:nvPr>
+            <p:ph type="title"/>
+          </p:nvPr>
+        </p:nvSpPr>
         <p:spPr>
           <a:xfrm>
             <a:off x="545869" y="120699"/>
@@ -3688,7 +3913,7 @@
 </p:sld>
 </file>
 
-<file path=ppt/slides/slide6.xml><?xml version="1.0" encoding="utf-8"?>
+<file path=ppt/slides/slide7.xml><?xml version="1.0" encoding="utf-8"?>
 <p:sld xmlns:a="http://schemas.openxmlformats.org/drawingml/2006/main" xmlns:r="http://schemas.openxmlformats.org/officeDocument/2006/relationships" xmlns:p="http://schemas.openxmlformats.org/presentationml/2006/main">
   <p:cSld>
     <p:spTree>

--- a/Проект «Помощник спасателя».pptx
+++ b/Проект «Помощник спасателя».pptx
@@ -7,11 +7,14 @@
   <p:sldIdLst>
     <p:sldId id="256" r:id="rId2"/>
     <p:sldId id="257" r:id="rId3"/>
-    <p:sldId id="260" r:id="rId4"/>
-    <p:sldId id="262" r:id="rId5"/>
-    <p:sldId id="258" r:id="rId6"/>
-    <p:sldId id="261" r:id="rId7"/>
-    <p:sldId id="259" r:id="rId8"/>
+    <p:sldId id="267" r:id="rId4"/>
+    <p:sldId id="260" r:id="rId5"/>
+    <p:sldId id="262" r:id="rId6"/>
+    <p:sldId id="266" r:id="rId7"/>
+    <p:sldId id="264" r:id="rId8"/>
+    <p:sldId id="263" r:id="rId9"/>
+    <p:sldId id="261" r:id="rId10"/>
+    <p:sldId id="259" r:id="rId11"/>
   </p:sldIdLst>
   <p:sldSz cx="12192000" cy="6858000"/>
   <p:notesSz cx="6858000" cy="9144000"/>
@@ -1863,18 +1866,115 @@
   <p:clrMapOvr>
     <a:masterClrMapping/>
   </p:clrMapOvr>
-  <mc:AlternateContent xmlns:mc="http://schemas.openxmlformats.org/markup-compatibility/2006" xmlns:p14="http://schemas.microsoft.com/office/powerpoint/2010/main">
-    <mc:Choice Requires="p14">
-      <p:transition spd="med" p14:dur="700">
-        <p:fade/>
-      </p:transition>
-    </mc:Choice>
-    <mc:Fallback xmlns="">
-      <p:transition spd="med">
-        <p:fade/>
-      </p:transition>
-    </mc:Fallback>
-  </mc:AlternateContent>
+</p:sld>
+</file>
+
+<file path=ppt/slides/slide10.xml><?xml version="1.0" encoding="utf-8"?>
+<p:sld xmlns:a="http://schemas.openxmlformats.org/drawingml/2006/main" xmlns:r="http://schemas.openxmlformats.org/officeDocument/2006/relationships" xmlns:p="http://schemas.openxmlformats.org/presentationml/2006/main">
+  <p:cSld>
+    <p:spTree>
+      <p:nvGrpSpPr>
+        <p:cNvPr id="1" name=""/>
+        <p:cNvGrpSpPr/>
+        <p:nvPr/>
+      </p:nvGrpSpPr>
+      <p:grpSpPr>
+        <a:xfrm>
+          <a:off x="0" y="0"/>
+          <a:ext cx="0" cy="0"/>
+          <a:chOff x="0" y="0"/>
+          <a:chExt cx="0" cy="0"/>
+        </a:xfrm>
+      </p:grpSpPr>
+      <p:sp>
+        <p:nvSpPr>
+          <p:cNvPr id="2" name="Заголовок 1"/>
+          <p:cNvSpPr>
+            <a:spLocks noGrp="1"/>
+          </p:cNvSpPr>
+          <p:nvPr>
+            <p:ph type="title"/>
+          </p:nvPr>
+        </p:nvSpPr>
+        <p:spPr/>
+        <p:txBody>
+          <a:bodyPr/>
+          <a:lstStyle/>
+          <a:p>
+            <a:r>
+              <a:rPr lang="ru-RU" dirty="0"/>
+              <a:t>ЗАГОЛОВОК</a:t>
+            </a:r>
+          </a:p>
+        </p:txBody>
+      </p:sp>
+      <p:sp>
+        <p:nvSpPr>
+          <p:cNvPr id="3" name="Прямоугольник 2">
+            <a:extLst>
+              <a:ext uri="{FF2B5EF4-FFF2-40B4-BE49-F238E27FC236}">
+                <a16:creationId xmlns:a16="http://schemas.microsoft.com/office/drawing/2014/main" id="{59571F31-9151-41CC-B714-AC2C8103A133}"/>
+              </a:ext>
+            </a:extLst>
+          </p:cNvPr>
+          <p:cNvSpPr/>
+          <p:nvPr/>
+        </p:nvSpPr>
+        <p:spPr>
+          <a:xfrm>
+            <a:off x="8975725" y="6314836"/>
+            <a:ext cx="3168650" cy="514350"/>
+          </a:xfrm>
+          <a:prstGeom prst="rect">
+            <a:avLst/>
+          </a:prstGeom>
+          <a:solidFill>
+            <a:schemeClr val="bg1"/>
+          </a:solidFill>
+          <a:ln>
+            <a:solidFill>
+              <a:schemeClr val="bg1"/>
+            </a:solidFill>
+          </a:ln>
+          <a:effectLst>
+            <a:softEdge rad="127000"/>
+          </a:effectLst>
+        </p:spPr>
+        <p:style>
+          <a:lnRef idx="2">
+            <a:schemeClr val="accent1">
+              <a:shade val="50000"/>
+            </a:schemeClr>
+          </a:lnRef>
+          <a:fillRef idx="1">
+            <a:schemeClr val="accent1"/>
+          </a:fillRef>
+          <a:effectRef idx="0">
+            <a:schemeClr val="accent1"/>
+          </a:effectRef>
+          <a:fontRef idx="minor">
+            <a:schemeClr val="lt1"/>
+          </a:fontRef>
+        </p:style>
+        <p:txBody>
+          <a:bodyPr rtlCol="0" anchor="ctr"/>
+          <a:lstStyle/>
+          <a:p>
+            <a:pPr algn="ctr"/>
+            <a:endParaRPr lang="ru-RU"/>
+          </a:p>
+        </p:txBody>
+      </p:sp>
+    </p:spTree>
+    <p:extLst>
+      <p:ext uri="{BB962C8B-B14F-4D97-AF65-F5344CB8AC3E}">
+        <p14:creationId xmlns:p14="http://schemas.microsoft.com/office/powerpoint/2010/main" val="3611525626"/>
+      </p:ext>
+    </p:extLst>
+  </p:cSld>
+  <p:clrMapOvr>
+    <a:masterClrMapping/>
+  </p:clrMapOvr>
 </p:sld>
 </file>
 
@@ -1994,7 +2094,7 @@
         <p:spPr>
           <a:xfrm>
             <a:off x="307648" y="1104991"/>
-            <a:ext cx="11767559" cy="5632311"/>
+            <a:ext cx="11767559" cy="3416320"/>
           </a:xfrm>
           <a:prstGeom prst="rect">
             <a:avLst/>
@@ -2075,84 +2175,6 @@
               <a:rPr lang="ru-RU" sz="2400" dirty="0"/>
               <a:t>протестировать и подготовить к защите проект.</a:t>
             </a:r>
-          </a:p>
-          <a:p>
-            <a:pPr marL="342900" indent="-342900">
-              <a:buFont typeface="Arial" panose="020B0604020202020204" pitchFamily="34" charset="0"/>
-              <a:buChar char="•"/>
-            </a:pPr>
-            <a:endParaRPr lang="ru-RU" sz="2400" dirty="0"/>
-          </a:p>
-          <a:p>
-            <a:r>
-              <a:rPr lang="ru-RU" sz="2400" dirty="0"/>
-              <a:t>Существующие </a:t>
-            </a:r>
-            <a:r>
-              <a:rPr lang="ru-RU" sz="2400" b="1" dirty="0"/>
-              <a:t>аналоги проекта</a:t>
-            </a:r>
-            <a:r>
-              <a:rPr lang="en-US" sz="2400" dirty="0"/>
-              <a:t>: GUARDIAN (</a:t>
-            </a:r>
-            <a:r>
-              <a:rPr lang="ru-RU" sz="2400" dirty="0"/>
-              <a:t>браслет с капсулой, всплывающей</a:t>
-            </a:r>
-            <a:r>
-              <a:rPr lang="en-US" sz="2400" dirty="0"/>
-              <a:t> </a:t>
-            </a:r>
-            <a:r>
-              <a:rPr lang="ru-RU" sz="2400" dirty="0"/>
-              <a:t>и издающей громкий звук при нахождении человека под водой слишком долго – без замера пульса и </a:t>
-            </a:r>
-            <a:r>
-              <a:rPr lang="en-US" sz="2400" dirty="0"/>
-              <a:t>SpO</a:t>
-            </a:r>
-            <a:r>
-              <a:rPr lang="en-US" sz="2400" baseline="-25000" dirty="0"/>
-              <a:t>2</a:t>
-            </a:r>
-            <a:r>
-              <a:rPr lang="ru-RU" sz="2400" dirty="0"/>
-              <a:t>)</a:t>
-            </a:r>
-            <a:r>
-              <a:rPr lang="en-US" sz="2400" dirty="0"/>
-              <a:t>; </a:t>
-            </a:r>
-            <a:r>
-              <a:rPr lang="en-US" sz="2400" dirty="0" err="1"/>
-              <a:t>SwimEye</a:t>
-            </a:r>
-            <a:r>
-              <a:rPr lang="en-US" sz="2400" dirty="0"/>
-              <a:t> (</a:t>
-            </a:r>
-            <a:r>
-              <a:rPr lang="ru-RU" sz="2400" dirty="0"/>
-              <a:t>использует данные только с камер, поэтому пригодна только в условиях прозрачной воды бассейна)</a:t>
-            </a:r>
-            <a:r>
-              <a:rPr lang="en-US" sz="2400" dirty="0"/>
-              <a:t>; </a:t>
-            </a:r>
-            <a:r>
-              <a:rPr lang="en-US" sz="2400" dirty="0" err="1"/>
-              <a:t>Sentag</a:t>
-            </a:r>
-            <a:r>
-              <a:rPr lang="en-US" sz="2400" dirty="0"/>
-              <a:t> (</a:t>
-            </a:r>
-            <a:r>
-              <a:rPr lang="ru-RU" sz="2400" dirty="0"/>
-              <a:t>также ориентируется только на глубину).</a:t>
-            </a:r>
-            <a:endParaRPr lang="en-US" sz="2400" dirty="0"/>
           </a:p>
           <a:p>
             <a:r>
@@ -2185,22 +2207,226 @@
   <p:clrMapOvr>
     <a:masterClrMapping/>
   </p:clrMapOvr>
-  <mc:AlternateContent xmlns:mc="http://schemas.openxmlformats.org/markup-compatibility/2006" xmlns:p14="http://schemas.microsoft.com/office/powerpoint/2010/main">
-    <mc:Choice Requires="p14">
-      <p:transition spd="med" p14:dur="700">
-        <p:fade/>
-      </p:transition>
-    </mc:Choice>
-    <mc:Fallback xmlns="">
-      <p:transition spd="med">
-        <p:fade/>
-      </p:transition>
-    </mc:Fallback>
-  </mc:AlternateContent>
 </p:sld>
 </file>
 
 <file path=ppt/slides/slide3.xml><?xml version="1.0" encoding="utf-8"?>
+<p:sld xmlns:a="http://schemas.openxmlformats.org/drawingml/2006/main" xmlns:r="http://schemas.openxmlformats.org/officeDocument/2006/relationships" xmlns:p="http://schemas.openxmlformats.org/presentationml/2006/main">
+  <p:cSld>
+    <p:spTree>
+      <p:nvGrpSpPr>
+        <p:cNvPr id="1" name=""/>
+        <p:cNvGrpSpPr/>
+        <p:nvPr/>
+      </p:nvGrpSpPr>
+      <p:grpSpPr>
+        <a:xfrm>
+          <a:off x="0" y="0"/>
+          <a:ext cx="0" cy="0"/>
+          <a:chOff x="0" y="0"/>
+          <a:chExt cx="0" cy="0"/>
+        </a:xfrm>
+      </p:grpSpPr>
+      <p:sp>
+        <p:nvSpPr>
+          <p:cNvPr id="2" name="Заголовок 1"/>
+          <p:cNvSpPr>
+            <a:spLocks noGrp="1"/>
+          </p:cNvSpPr>
+          <p:nvPr>
+            <p:ph type="title"/>
+          </p:nvPr>
+        </p:nvSpPr>
+        <p:spPr>
+          <a:xfrm>
+            <a:off x="545869" y="120699"/>
+            <a:ext cx="8789517" cy="565102"/>
+          </a:xfrm>
+        </p:spPr>
+        <p:txBody>
+          <a:bodyPr/>
+          <a:lstStyle/>
+          <a:p>
+            <a:r>
+              <a:rPr lang="ru-RU" sz="3600" dirty="0"/>
+              <a:t>Аналоги</a:t>
+            </a:r>
+          </a:p>
+        </p:txBody>
+      </p:sp>
+      <p:sp>
+        <p:nvSpPr>
+          <p:cNvPr id="3" name="Прямоугольник 2">
+            <a:extLst>
+              <a:ext uri="{FF2B5EF4-FFF2-40B4-BE49-F238E27FC236}">
+                <a16:creationId xmlns:a16="http://schemas.microsoft.com/office/drawing/2014/main" id="{59571F31-9151-41CC-B714-AC2C8103A133}"/>
+              </a:ext>
+            </a:extLst>
+          </p:cNvPr>
+          <p:cNvSpPr/>
+          <p:nvPr/>
+        </p:nvSpPr>
+        <p:spPr>
+          <a:xfrm>
+            <a:off x="8975725" y="6314836"/>
+            <a:ext cx="3168650" cy="514350"/>
+          </a:xfrm>
+          <a:prstGeom prst="rect">
+            <a:avLst/>
+          </a:prstGeom>
+          <a:solidFill>
+            <a:schemeClr val="bg1"/>
+          </a:solidFill>
+          <a:ln>
+            <a:solidFill>
+              <a:schemeClr val="bg1"/>
+            </a:solidFill>
+          </a:ln>
+          <a:effectLst>
+            <a:softEdge rad="127000"/>
+          </a:effectLst>
+        </p:spPr>
+        <p:style>
+          <a:lnRef idx="2">
+            <a:schemeClr val="accent1">
+              <a:shade val="50000"/>
+            </a:schemeClr>
+          </a:lnRef>
+          <a:fillRef idx="1">
+            <a:schemeClr val="accent1"/>
+          </a:fillRef>
+          <a:effectRef idx="0">
+            <a:schemeClr val="accent1"/>
+          </a:effectRef>
+          <a:fontRef idx="minor">
+            <a:schemeClr val="lt1"/>
+          </a:fontRef>
+        </p:style>
+        <p:txBody>
+          <a:bodyPr rtlCol="0" anchor="ctr"/>
+          <a:lstStyle/>
+          <a:p>
+            <a:pPr algn="ctr"/>
+            <a:endParaRPr lang="ru-RU"/>
+          </a:p>
+        </p:txBody>
+      </p:sp>
+      <p:sp>
+        <p:nvSpPr>
+          <p:cNvPr id="4" name="Прямоугольник 3">
+            <a:extLst>
+              <a:ext uri="{FF2B5EF4-FFF2-40B4-BE49-F238E27FC236}">
+                <a16:creationId xmlns:a16="http://schemas.microsoft.com/office/drawing/2014/main" id="{D6275BF4-40C2-49B3-BA5E-C194AD58E00D}"/>
+              </a:ext>
+            </a:extLst>
+          </p:cNvPr>
+          <p:cNvSpPr/>
+          <p:nvPr/>
+        </p:nvSpPr>
+        <p:spPr>
+          <a:xfrm>
+            <a:off x="307648" y="1104991"/>
+            <a:ext cx="11767559" cy="2308324"/>
+          </a:xfrm>
+          <a:prstGeom prst="rect">
+            <a:avLst/>
+          </a:prstGeom>
+        </p:spPr>
+        <p:txBody>
+          <a:bodyPr wrap="square">
+            <a:spAutoFit/>
+          </a:bodyPr>
+          <a:lstStyle/>
+          <a:p>
+            <a:endParaRPr lang="ru-RU" sz="2400" dirty="0"/>
+          </a:p>
+          <a:p>
+            <a:r>
+              <a:rPr lang="ru-RU" sz="2400" dirty="0"/>
+              <a:t>Существующие </a:t>
+            </a:r>
+            <a:r>
+              <a:rPr lang="ru-RU" sz="2400" b="1" dirty="0"/>
+              <a:t>аналоги проекта</a:t>
+            </a:r>
+            <a:r>
+              <a:rPr lang="en-US" sz="2400" dirty="0"/>
+              <a:t>: GUARDIAN (</a:t>
+            </a:r>
+            <a:r>
+              <a:rPr lang="ru-RU" sz="2400" dirty="0"/>
+              <a:t>браслет с капсулой, всплывающей</a:t>
+            </a:r>
+            <a:r>
+              <a:rPr lang="en-US" sz="2400" dirty="0"/>
+              <a:t> </a:t>
+            </a:r>
+            <a:r>
+              <a:rPr lang="ru-RU" sz="2400" dirty="0"/>
+              <a:t>и издающей громкий звук при нахождении человека под водой слишком долго – без замера пульса и </a:t>
+            </a:r>
+            <a:r>
+              <a:rPr lang="en-US" sz="2400" dirty="0"/>
+              <a:t>SpO</a:t>
+            </a:r>
+            <a:r>
+              <a:rPr lang="en-US" sz="2400" baseline="-25000" dirty="0"/>
+              <a:t>2</a:t>
+            </a:r>
+            <a:r>
+              <a:rPr lang="ru-RU" sz="2400" dirty="0"/>
+              <a:t>)</a:t>
+            </a:r>
+            <a:r>
+              <a:rPr lang="en-US" sz="2400" dirty="0"/>
+              <a:t>; </a:t>
+            </a:r>
+            <a:r>
+              <a:rPr lang="en-US" sz="2400" dirty="0" err="1"/>
+              <a:t>SwimEye</a:t>
+            </a:r>
+            <a:r>
+              <a:rPr lang="en-US" sz="2400" dirty="0"/>
+              <a:t> (</a:t>
+            </a:r>
+            <a:r>
+              <a:rPr lang="ru-RU" sz="2400" dirty="0"/>
+              <a:t>использует данные только с камер, поэтому пригодна только в условиях прозрачной воды бассейна)</a:t>
+            </a:r>
+            <a:r>
+              <a:rPr lang="en-US" sz="2400" dirty="0"/>
+              <a:t>; </a:t>
+            </a:r>
+            <a:r>
+              <a:rPr lang="en-US" sz="2400" dirty="0" err="1"/>
+              <a:t>Sentag</a:t>
+            </a:r>
+            <a:r>
+              <a:rPr lang="en-US" sz="2400" dirty="0"/>
+              <a:t> (</a:t>
+            </a:r>
+            <a:r>
+              <a:rPr lang="ru-RU" sz="2400" dirty="0"/>
+              <a:t>также ориентируется только на глубину).</a:t>
+            </a:r>
+            <a:endParaRPr lang="en-US" sz="2400" dirty="0"/>
+          </a:p>
+        </p:txBody>
+      </p:sp>
+    </p:spTree>
+    <p:extLst>
+      <p:ext uri="{BB962C8B-B14F-4D97-AF65-F5344CB8AC3E}">
+        <p14:creationId xmlns:p14="http://schemas.microsoft.com/office/powerpoint/2010/main" val="86254334"/>
+      </p:ext>
+    </p:extLst>
+  </p:cSld>
+  <p:clrMapOvr>
+    <a:masterClrMapping/>
+  </p:clrMapOvr>
+</p:sld>
+</file>
+
+<file path=ppt/slides/slide4.xml><?xml version="1.0" encoding="utf-8"?>
 <p:sld xmlns:a="http://schemas.openxmlformats.org/drawingml/2006/main" xmlns:r="http://schemas.openxmlformats.org/officeDocument/2006/relationships" xmlns:p="http://schemas.openxmlformats.org/presentationml/2006/main">
   <p:cSld>
     <p:bg>
@@ -3197,242 +3423,6 @@
   <p:clrMapOvr>
     <a:masterClrMapping/>
   </p:clrMapOvr>
-  <mc:AlternateContent xmlns:mc="http://schemas.openxmlformats.org/markup-compatibility/2006" xmlns:p14="http://schemas.microsoft.com/office/powerpoint/2010/main">
-    <mc:Choice Requires="p14">
-      <p:transition spd="med" p14:dur="700">
-        <p:fade/>
-      </p:transition>
-    </mc:Choice>
-    <mc:Fallback xmlns="">
-      <p:transition spd="med">
-        <p:fade/>
-      </p:transition>
-    </mc:Fallback>
-  </mc:AlternateContent>
-</p:sld>
-</file>
-
-<file path=ppt/slides/slide4.xml><?xml version="1.0" encoding="utf-8"?>
-<p:sld xmlns:a="http://schemas.openxmlformats.org/drawingml/2006/main" xmlns:r="http://schemas.openxmlformats.org/officeDocument/2006/relationships" xmlns:p="http://schemas.openxmlformats.org/presentationml/2006/main">
-  <p:cSld>
-    <p:spTree>
-      <p:nvGrpSpPr>
-        <p:cNvPr id="1" name=""/>
-        <p:cNvGrpSpPr/>
-        <p:nvPr/>
-      </p:nvGrpSpPr>
-      <p:grpSpPr>
-        <a:xfrm>
-          <a:off x="0" y="0"/>
-          <a:ext cx="0" cy="0"/>
-          <a:chOff x="0" y="0"/>
-          <a:chExt cx="0" cy="0"/>
-        </a:xfrm>
-      </p:grpSpPr>
-      <p:sp>
-        <p:nvSpPr>
-          <p:cNvPr id="2" name="Заголовок 1"/>
-          <p:cNvSpPr>
-            <a:spLocks noGrp="1"/>
-          </p:cNvSpPr>
-          <p:nvPr>
-            <p:ph type="title"/>
-          </p:nvPr>
-        </p:nvSpPr>
-        <p:spPr>
-          <a:xfrm>
-            <a:off x="545869" y="120699"/>
-            <a:ext cx="8789517" cy="565102"/>
-          </a:xfrm>
-        </p:spPr>
-        <p:txBody>
-          <a:bodyPr/>
-          <a:lstStyle/>
-          <a:p>
-            <a:r>
-              <a:rPr lang="ru-RU" sz="3600" dirty="0"/>
-              <a:t>Описание реализации</a:t>
-            </a:r>
-          </a:p>
-        </p:txBody>
-      </p:sp>
-      <p:sp>
-        <p:nvSpPr>
-          <p:cNvPr id="3" name="Прямоугольник 2">
-            <a:extLst>
-              <a:ext uri="{FF2B5EF4-FFF2-40B4-BE49-F238E27FC236}">
-                <a16:creationId xmlns:a16="http://schemas.microsoft.com/office/drawing/2014/main" id="{59571F31-9151-41CC-B714-AC2C8103A133}"/>
-              </a:ext>
-            </a:extLst>
-          </p:cNvPr>
-          <p:cNvSpPr/>
-          <p:nvPr/>
-        </p:nvSpPr>
-        <p:spPr>
-          <a:xfrm>
-            <a:off x="8975725" y="6314836"/>
-            <a:ext cx="3168650" cy="514350"/>
-          </a:xfrm>
-          <a:prstGeom prst="rect">
-            <a:avLst/>
-          </a:prstGeom>
-          <a:solidFill>
-            <a:schemeClr val="bg1"/>
-          </a:solidFill>
-          <a:ln>
-            <a:solidFill>
-              <a:schemeClr val="bg1"/>
-            </a:solidFill>
-          </a:ln>
-          <a:effectLst>
-            <a:softEdge rad="127000"/>
-          </a:effectLst>
-        </p:spPr>
-        <p:style>
-          <a:lnRef idx="2">
-            <a:schemeClr val="accent1">
-              <a:shade val="50000"/>
-            </a:schemeClr>
-          </a:lnRef>
-          <a:fillRef idx="1">
-            <a:schemeClr val="accent1"/>
-          </a:fillRef>
-          <a:effectRef idx="0">
-            <a:schemeClr val="accent1"/>
-          </a:effectRef>
-          <a:fontRef idx="minor">
-            <a:schemeClr val="lt1"/>
-          </a:fontRef>
-        </p:style>
-        <p:txBody>
-          <a:bodyPr rtlCol="0" anchor="ctr"/>
-          <a:lstStyle/>
-          <a:p>
-            <a:pPr algn="ctr"/>
-            <a:endParaRPr lang="ru-RU"/>
-          </a:p>
-        </p:txBody>
-      </p:sp>
-      <p:sp>
-        <p:nvSpPr>
-          <p:cNvPr id="4" name="Прямоугольник 3">
-            <a:extLst>
-              <a:ext uri="{FF2B5EF4-FFF2-40B4-BE49-F238E27FC236}">
-                <a16:creationId xmlns:a16="http://schemas.microsoft.com/office/drawing/2014/main" id="{D6275BF4-40C2-49B3-BA5E-C194AD58E00D}"/>
-              </a:ext>
-            </a:extLst>
-          </p:cNvPr>
-          <p:cNvSpPr/>
-          <p:nvPr/>
-        </p:nvSpPr>
-        <p:spPr>
-          <a:xfrm>
-            <a:off x="307648" y="1104991"/>
-            <a:ext cx="11767559" cy="1938992"/>
-          </a:xfrm>
-          <a:prstGeom prst="rect">
-            <a:avLst/>
-          </a:prstGeom>
-        </p:spPr>
-        <p:txBody>
-          <a:bodyPr wrap="square">
-            <a:spAutoFit/>
-          </a:bodyPr>
-          <a:lstStyle/>
-          <a:p>
-            <a:r>
-              <a:rPr lang="ru-RU" sz="2400" dirty="0"/>
-              <a:t>Для связи между устройствами используется протокол </a:t>
-            </a:r>
-            <a:r>
-              <a:rPr lang="en-US" sz="2400" b="1" dirty="0"/>
-              <a:t>MQTT</a:t>
-            </a:r>
-            <a:r>
-              <a:rPr lang="en-US" sz="2400" dirty="0"/>
-              <a:t>. </a:t>
-            </a:r>
-            <a:r>
-              <a:rPr lang="ru-RU" sz="2400" dirty="0"/>
-              <a:t>Сервер на </a:t>
-            </a:r>
-            <a:r>
-              <a:rPr lang="en-US" sz="2400" b="1" dirty="0"/>
-              <a:t>NodeJS</a:t>
-            </a:r>
-            <a:r>
-              <a:rPr lang="ru-RU" sz="2400" b="1" dirty="0"/>
-              <a:t> </a:t>
-            </a:r>
-            <a:r>
-              <a:rPr lang="ru-RU" sz="2400" dirty="0"/>
-              <a:t>принимает сообщения по </a:t>
-            </a:r>
-            <a:r>
-              <a:rPr lang="en-US" sz="2400" dirty="0"/>
-              <a:t>MQTT </a:t>
-            </a:r>
-            <a:r>
-              <a:rPr lang="ru-RU" sz="2400" dirty="0"/>
-              <a:t>и выдаёт маякам команды на испускание ультразвука. Клиентская часть, предназначенная для показа спасателю местоположений пловцов и выдачи в случае чего сигнала тревоги написана на (</a:t>
-            </a:r>
-            <a:r>
-              <a:rPr lang="en-US" sz="2400" dirty="0"/>
-              <a:t>HTML + JS + CSS; </a:t>
-            </a:r>
-            <a:r>
-              <a:rPr lang="ru-RU" sz="2400" dirty="0"/>
-              <a:t>используется </a:t>
-            </a:r>
-            <a:r>
-              <a:rPr lang="en-US" sz="2400" dirty="0"/>
-              <a:t>Webpack </a:t>
-            </a:r>
-            <a:r>
-              <a:rPr lang="ru-RU" sz="2400" dirty="0"/>
-              <a:t>для сборки), для связи с </a:t>
-            </a:r>
-            <a:r>
-              <a:rPr lang="en-US" sz="2400" dirty="0"/>
-              <a:t>NodeJS-</a:t>
-            </a:r>
-            <a:r>
-              <a:rPr lang="ru-RU" sz="2400" dirty="0" err="1"/>
-              <a:t>бекендом</a:t>
-            </a:r>
-            <a:r>
-              <a:rPr lang="ru-RU" sz="2400" dirty="0"/>
-              <a:t> используется </a:t>
-            </a:r>
-            <a:r>
-              <a:rPr lang="en-US" sz="2400" b="1" dirty="0"/>
-              <a:t>Socket.io</a:t>
-            </a:r>
-          </a:p>
-        </p:txBody>
-      </p:sp>
-    </p:spTree>
-    <p:extLst>
-      <p:ext uri="{BB962C8B-B14F-4D97-AF65-F5344CB8AC3E}">
-        <p14:creationId xmlns:p14="http://schemas.microsoft.com/office/powerpoint/2010/main" val="438062149"/>
-      </p:ext>
-    </p:extLst>
-  </p:cSld>
-  <p:clrMapOvr>
-    <a:masterClrMapping/>
-  </p:clrMapOvr>
-  <mc:AlternateContent xmlns:mc="http://schemas.openxmlformats.org/markup-compatibility/2006" xmlns:p14="http://schemas.microsoft.com/office/powerpoint/2010/main">
-    <mc:Choice Requires="p14">
-      <p:transition spd="med" p14:dur="700">
-        <p:fade/>
-      </p:transition>
-    </mc:Choice>
-    <mc:Fallback xmlns="">
-      <p:transition spd="med">
-        <p:fade/>
-      </p:transition>
-    </mc:Fallback>
-  </mc:AlternateContent>
 </p:sld>
 </file>
 
@@ -3453,6 +3443,35 @@
           <a:chExt cx="0" cy="0"/>
         </a:xfrm>
       </p:grpSpPr>
+      <p:pic>
+        <p:nvPicPr>
+          <p:cNvPr id="7" name="Рисунок 6">
+            <a:extLst>
+              <a:ext uri="{FF2B5EF4-FFF2-40B4-BE49-F238E27FC236}">
+                <a16:creationId xmlns:a16="http://schemas.microsoft.com/office/drawing/2014/main" id="{76CF7B09-39BB-47AD-B97A-459C2876B602}"/>
+              </a:ext>
+            </a:extLst>
+          </p:cNvPr>
+          <p:cNvPicPr>
+            <a:picLocks noChangeAspect="1"/>
+          </p:cNvPicPr>
+          <p:nvPr/>
+        </p:nvPicPr>
+        <p:blipFill rotWithShape="1">
+          <a:blip r:embed="rId2"/>
+          <a:srcRect t="8161" b="6033"/>
+          <a:stretch/>
+        </p:blipFill>
+        <p:spPr>
+          <a:xfrm>
+            <a:off x="217466" y="1146048"/>
+            <a:ext cx="3296412" cy="2828544"/>
+          </a:xfrm>
+          <a:prstGeom prst="rect">
+            <a:avLst/>
+          </a:prstGeom>
+        </p:spPr>
+      </p:pic>
       <p:sp>
         <p:nvSpPr>
           <p:cNvPr id="2" name="Заголовок 1"/>
@@ -3463,14 +3482,19 @@
             <p:ph type="title"/>
           </p:nvPr>
         </p:nvSpPr>
-        <p:spPr/>
+        <p:spPr>
+          <a:xfrm>
+            <a:off x="545869" y="120699"/>
+            <a:ext cx="8789517" cy="565102"/>
+          </a:xfrm>
+        </p:spPr>
         <p:txBody>
           <a:bodyPr/>
           <a:lstStyle/>
           <a:p>
             <a:r>
-              <a:rPr lang="ru-RU" dirty="0"/>
-              <a:t>ЗАГОЛОВОК</a:t>
+              <a:rPr lang="ru-RU" sz="3600" dirty="0"/>
+              <a:t>Аппаратная часть</a:t>
             </a:r>
           </a:p>
         </p:txBody>
@@ -3532,28 +3556,327 @@
           </a:p>
         </p:txBody>
       </p:sp>
+      <p:pic>
+        <p:nvPicPr>
+          <p:cNvPr id="5" name="Рисунок 4" descr="Изображение выглядит как электроника, цепь&#10;&#10;Автоматически созданное описание">
+            <a:extLst>
+              <a:ext uri="{FF2B5EF4-FFF2-40B4-BE49-F238E27FC236}">
+                <a16:creationId xmlns:a16="http://schemas.microsoft.com/office/drawing/2014/main" id="{B396139D-7D34-46A1-A177-C60B4CBECCAD}"/>
+              </a:ext>
+            </a:extLst>
+          </p:cNvPr>
+          <p:cNvPicPr>
+            <a:picLocks noChangeAspect="1"/>
+          </p:cNvPicPr>
+          <p:nvPr/>
+        </p:nvPicPr>
+        <p:blipFill rotWithShape="1">
+          <a:blip r:embed="rId3"/>
+          <a:srcRect l="4482" t="25821" r="4989" b="11824"/>
+          <a:stretch/>
+        </p:blipFill>
+        <p:spPr>
+          <a:xfrm>
+            <a:off x="185984" y="4066031"/>
+            <a:ext cx="3264930" cy="2248805"/>
+          </a:xfrm>
+          <a:prstGeom prst="rect">
+            <a:avLst/>
+          </a:prstGeom>
+        </p:spPr>
+      </p:pic>
+      <p:pic>
+        <p:nvPicPr>
+          <p:cNvPr id="9" name="Рисунок 8">
+            <a:extLst>
+              <a:ext uri="{FF2B5EF4-FFF2-40B4-BE49-F238E27FC236}">
+                <a16:creationId xmlns:a16="http://schemas.microsoft.com/office/drawing/2014/main" id="{38693C8E-0B72-4252-B2B7-BC7AEB9585F6}"/>
+              </a:ext>
+            </a:extLst>
+          </p:cNvPr>
+          <p:cNvPicPr>
+            <a:picLocks noChangeAspect="1"/>
+          </p:cNvPicPr>
+          <p:nvPr/>
+        </p:nvPicPr>
+        <p:blipFill>
+          <a:blip r:embed="rId4"/>
+          <a:stretch>
+            <a:fillRect/>
+          </a:stretch>
+        </p:blipFill>
+        <p:spPr>
+          <a:xfrm>
+            <a:off x="4349868" y="2303669"/>
+            <a:ext cx="3006964" cy="2407920"/>
+          </a:xfrm>
+          <a:prstGeom prst="rect">
+            <a:avLst/>
+          </a:prstGeom>
+        </p:spPr>
+      </p:pic>
+      <p:cxnSp>
+        <p:nvCxnSpPr>
+          <p:cNvPr id="11" name="Прямая со стрелкой 10">
+            <a:extLst>
+              <a:ext uri="{FF2B5EF4-FFF2-40B4-BE49-F238E27FC236}">
+                <a16:creationId xmlns:a16="http://schemas.microsoft.com/office/drawing/2014/main" id="{B3EDCC27-7A79-40B9-8D8A-4A56DC440EE0}"/>
+              </a:ext>
+            </a:extLst>
+          </p:cNvPr>
+          <p:cNvCxnSpPr/>
+          <p:nvPr/>
+        </p:nvCxnSpPr>
+        <p:spPr>
+          <a:xfrm>
+            <a:off x="3559970" y="3645408"/>
+            <a:ext cx="704554" cy="0"/>
+          </a:xfrm>
+          <a:prstGeom prst="straightConnector1">
+            <a:avLst/>
+          </a:prstGeom>
+          <a:ln w="76200">
+            <a:solidFill>
+              <a:schemeClr val="tx1"/>
+            </a:solidFill>
+            <a:headEnd type="triangle"/>
+            <a:tailEnd type="triangle"/>
+          </a:ln>
+        </p:spPr>
+        <p:style>
+          <a:lnRef idx="1">
+            <a:schemeClr val="accent1"/>
+          </a:lnRef>
+          <a:fillRef idx="0">
+            <a:schemeClr val="accent1"/>
+          </a:fillRef>
+          <a:effectRef idx="0">
+            <a:schemeClr val="accent1"/>
+          </a:effectRef>
+          <a:fontRef idx="minor">
+            <a:schemeClr val="tx1"/>
+          </a:fontRef>
+        </p:style>
+      </p:cxnSp>
+      <p:cxnSp>
+        <p:nvCxnSpPr>
+          <p:cNvPr id="12" name="Прямая со стрелкой 11">
+            <a:extLst>
+              <a:ext uri="{FF2B5EF4-FFF2-40B4-BE49-F238E27FC236}">
+                <a16:creationId xmlns:a16="http://schemas.microsoft.com/office/drawing/2014/main" id="{263AB8AB-F064-4DD6-8236-071B3713DBFB}"/>
+              </a:ext>
+            </a:extLst>
+          </p:cNvPr>
+          <p:cNvCxnSpPr>
+            <a:cxnSpLocks/>
+            <a:endCxn id="24" idx="1"/>
+          </p:cNvCxnSpPr>
+          <p:nvPr/>
+        </p:nvCxnSpPr>
+        <p:spPr>
+          <a:xfrm flipV="1">
+            <a:off x="7516274" y="2182368"/>
+            <a:ext cx="2361670" cy="554736"/>
+          </a:xfrm>
+          <a:prstGeom prst="straightConnector1">
+            <a:avLst/>
+          </a:prstGeom>
+          <a:ln w="76200">
+            <a:solidFill>
+              <a:schemeClr val="tx1"/>
+            </a:solidFill>
+            <a:headEnd type="triangle"/>
+            <a:tailEnd type="triangle"/>
+          </a:ln>
+        </p:spPr>
+        <p:style>
+          <a:lnRef idx="1">
+            <a:schemeClr val="accent1"/>
+          </a:lnRef>
+          <a:fillRef idx="0">
+            <a:schemeClr val="accent1"/>
+          </a:fillRef>
+          <a:effectRef idx="0">
+            <a:schemeClr val="accent1"/>
+          </a:effectRef>
+          <a:fontRef idx="minor">
+            <a:schemeClr val="tx1"/>
+          </a:fontRef>
+        </p:style>
+      </p:cxnSp>
+      <p:pic>
+        <p:nvPicPr>
+          <p:cNvPr id="14" name="Рисунок 13" descr="Изображение выглядит как электроника, цепь&#10;&#10;Автоматически созданное описание">
+            <a:extLst>
+              <a:ext uri="{FF2B5EF4-FFF2-40B4-BE49-F238E27FC236}">
+                <a16:creationId xmlns:a16="http://schemas.microsoft.com/office/drawing/2014/main" id="{B3C16275-EEA5-480D-BE67-9DE4E168CB24}"/>
+              </a:ext>
+            </a:extLst>
+          </p:cNvPr>
+          <p:cNvPicPr>
+            <a:picLocks noChangeAspect="1"/>
+          </p:cNvPicPr>
+          <p:nvPr/>
+        </p:nvPicPr>
+        <p:blipFill rotWithShape="1">
+          <a:blip r:embed="rId5"/>
+          <a:srcRect l="5869" r="7066"/>
+          <a:stretch/>
+        </p:blipFill>
+        <p:spPr>
+          <a:xfrm>
+            <a:off x="8025819" y="2686151"/>
+            <a:ext cx="1826480" cy="1342625"/>
+          </a:xfrm>
+          <a:prstGeom prst="rect">
+            <a:avLst/>
+          </a:prstGeom>
+        </p:spPr>
+      </p:pic>
+      <p:pic>
+        <p:nvPicPr>
+          <p:cNvPr id="16" name="Рисунок 15">
+            <a:extLst>
+              <a:ext uri="{FF2B5EF4-FFF2-40B4-BE49-F238E27FC236}">
+                <a16:creationId xmlns:a16="http://schemas.microsoft.com/office/drawing/2014/main" id="{8E840624-483B-4A47-8C37-61B358DCBD84}"/>
+              </a:ext>
+            </a:extLst>
+          </p:cNvPr>
+          <p:cNvPicPr>
+            <a:picLocks noChangeAspect="1"/>
+          </p:cNvPicPr>
+          <p:nvPr/>
+        </p:nvPicPr>
+        <p:blipFill rotWithShape="1">
+          <a:blip r:embed="rId6"/>
+          <a:srcRect l="21911" t="13334" r="21022" b="16711"/>
+          <a:stretch/>
+        </p:blipFill>
+        <p:spPr>
+          <a:xfrm>
+            <a:off x="9789335" y="3500536"/>
+            <a:ext cx="2295782" cy="2814300"/>
+          </a:xfrm>
+          <a:prstGeom prst="rect">
+            <a:avLst/>
+          </a:prstGeom>
+        </p:spPr>
+      </p:pic>
+      <p:cxnSp>
+        <p:nvCxnSpPr>
+          <p:cNvPr id="17" name="Прямая со стрелкой 16">
+            <a:extLst>
+              <a:ext uri="{FF2B5EF4-FFF2-40B4-BE49-F238E27FC236}">
+                <a16:creationId xmlns:a16="http://schemas.microsoft.com/office/drawing/2014/main" id="{7FC5B331-F402-43CE-9E6D-B46E126662C4}"/>
+              </a:ext>
+            </a:extLst>
+          </p:cNvPr>
+          <p:cNvCxnSpPr>
+            <a:cxnSpLocks/>
+            <a:endCxn id="16" idx="1"/>
+          </p:cNvCxnSpPr>
+          <p:nvPr/>
+        </p:nvCxnSpPr>
+        <p:spPr>
+          <a:xfrm>
+            <a:off x="7516274" y="3688562"/>
+            <a:ext cx="2273061" cy="1219124"/>
+          </a:xfrm>
+          <a:prstGeom prst="straightConnector1">
+            <a:avLst/>
+          </a:prstGeom>
+          <a:ln w="76200">
+            <a:solidFill>
+              <a:schemeClr val="tx1"/>
+            </a:solidFill>
+            <a:headEnd type="triangle"/>
+            <a:tailEnd type="triangle"/>
+          </a:ln>
+        </p:spPr>
+        <p:style>
+          <a:lnRef idx="1">
+            <a:schemeClr val="accent1"/>
+          </a:lnRef>
+          <a:fillRef idx="0">
+            <a:schemeClr val="accent1"/>
+          </a:fillRef>
+          <a:effectRef idx="0">
+            <a:schemeClr val="accent1"/>
+          </a:effectRef>
+          <a:fontRef idx="minor">
+            <a:schemeClr val="tx1"/>
+          </a:fontRef>
+        </p:style>
+      </p:cxnSp>
+      <p:pic>
+        <p:nvPicPr>
+          <p:cNvPr id="21" name="Рисунок 20">
+            <a:extLst>
+              <a:ext uri="{FF2B5EF4-FFF2-40B4-BE49-F238E27FC236}">
+                <a16:creationId xmlns:a16="http://schemas.microsoft.com/office/drawing/2014/main" id="{5E23A1F9-6C8B-4181-A52E-AF6CFD939903}"/>
+              </a:ext>
+            </a:extLst>
+          </p:cNvPr>
+          <p:cNvPicPr>
+            <a:picLocks noChangeAspect="1"/>
+          </p:cNvPicPr>
+          <p:nvPr/>
+        </p:nvPicPr>
+        <p:blipFill>
+          <a:blip r:embed="rId7"/>
+          <a:stretch>
+            <a:fillRect/>
+          </a:stretch>
+        </p:blipFill>
+        <p:spPr>
+          <a:xfrm>
+            <a:off x="4769624" y="1191577"/>
+            <a:ext cx="2128071" cy="1260882"/>
+          </a:xfrm>
+          <a:prstGeom prst="rect">
+            <a:avLst/>
+          </a:prstGeom>
+        </p:spPr>
+      </p:pic>
+      <p:pic>
+        <p:nvPicPr>
+          <p:cNvPr id="24" name="Рисунок 23">
+            <a:extLst>
+              <a:ext uri="{FF2B5EF4-FFF2-40B4-BE49-F238E27FC236}">
+                <a16:creationId xmlns:a16="http://schemas.microsoft.com/office/drawing/2014/main" id="{539F8098-A6CE-4A15-98E8-CAE7FAFD13A9}"/>
+              </a:ext>
+            </a:extLst>
+          </p:cNvPr>
+          <p:cNvPicPr>
+            <a:picLocks noChangeAspect="1"/>
+          </p:cNvPicPr>
+          <p:nvPr/>
+        </p:nvPicPr>
+        <p:blipFill rotWithShape="1">
+          <a:blip r:embed="rId8"/>
+          <a:srcRect l="41818"/>
+          <a:stretch/>
+        </p:blipFill>
+        <p:spPr>
+          <a:xfrm>
+            <a:off x="9877944" y="963930"/>
+            <a:ext cx="2128072" cy="2436876"/>
+          </a:xfrm>
+          <a:prstGeom prst="rect">
+            <a:avLst/>
+          </a:prstGeom>
+        </p:spPr>
+      </p:pic>
     </p:spTree>
     <p:extLst>
       <p:ext uri="{BB962C8B-B14F-4D97-AF65-F5344CB8AC3E}">
-        <p14:creationId xmlns:p14="http://schemas.microsoft.com/office/powerpoint/2010/main" val="2183078572"/>
+        <p14:creationId xmlns:p14="http://schemas.microsoft.com/office/powerpoint/2010/main" val="438062149"/>
       </p:ext>
     </p:extLst>
   </p:cSld>
   <p:clrMapOvr>
     <a:masterClrMapping/>
   </p:clrMapOvr>
-  <mc:AlternateContent xmlns:mc="http://schemas.openxmlformats.org/markup-compatibility/2006" xmlns:p14="http://schemas.microsoft.com/office/powerpoint/2010/main">
-    <mc:Choice Requires="p14">
-      <p:transition spd="med" p14:dur="700">
-        <p:fade/>
-      </p:transition>
-    </mc:Choice>
-    <mc:Fallback xmlns="">
-      <p:transition spd="med">
-        <p:fade/>
-      </p:transition>
-    </mc:Fallback>
-  </mc:AlternateContent>
 </p:sld>
 </file>
 
@@ -3596,7 +3919,7 @@
           <a:p>
             <a:r>
               <a:rPr lang="ru-RU" sz="3600" dirty="0"/>
-              <a:t>Стоимость системы</a:t>
+              <a:t>Программная часть</a:t>
             </a:r>
           </a:p>
         </p:txBody>
@@ -3658,12 +3981,280 @@
           </a:p>
         </p:txBody>
       </p:sp>
-      <p:sp>
-        <p:nvSpPr>
-          <p:cNvPr id="4" name="Прямоугольник 3">
+      <p:pic>
+        <p:nvPicPr>
+          <p:cNvPr id="25" name="Рисунок 24">
             <a:extLst>
               <a:ext uri="{FF2B5EF4-FFF2-40B4-BE49-F238E27FC236}">
-                <a16:creationId xmlns:a16="http://schemas.microsoft.com/office/drawing/2014/main" id="{D6275BF4-40C2-49B3-BA5E-C194AD58E00D}"/>
+                <a16:creationId xmlns:a16="http://schemas.microsoft.com/office/drawing/2014/main" id="{0F90C4C5-1BB5-49C3-B99F-58EF3C148DE9}"/>
+              </a:ext>
+            </a:extLst>
+          </p:cNvPr>
+          <p:cNvPicPr>
+            <a:picLocks noChangeAspect="1"/>
+          </p:cNvPicPr>
+          <p:nvPr/>
+        </p:nvPicPr>
+        <p:blipFill>
+          <a:blip r:embed="rId2"/>
+          <a:stretch>
+            <a:fillRect/>
+          </a:stretch>
+        </p:blipFill>
+        <p:spPr>
+          <a:xfrm rot="19403196">
+            <a:off x="8276609" y="2946498"/>
+            <a:ext cx="3168650" cy="1486768"/>
+          </a:xfrm>
+          <a:prstGeom prst="rect">
+            <a:avLst/>
+          </a:prstGeom>
+        </p:spPr>
+      </p:pic>
+      <p:pic>
+        <p:nvPicPr>
+          <p:cNvPr id="8" name="Рисунок 7">
+            <a:extLst>
+              <a:ext uri="{FF2B5EF4-FFF2-40B4-BE49-F238E27FC236}">
+                <a16:creationId xmlns:a16="http://schemas.microsoft.com/office/drawing/2014/main" id="{9A6F828D-7419-4A5A-86BD-41895E2B8471}"/>
+              </a:ext>
+            </a:extLst>
+          </p:cNvPr>
+          <p:cNvPicPr>
+            <a:picLocks noChangeAspect="1"/>
+          </p:cNvPicPr>
+          <p:nvPr/>
+        </p:nvPicPr>
+        <p:blipFill>
+          <a:blip r:embed="rId3"/>
+          <a:stretch>
+            <a:fillRect/>
+          </a:stretch>
+        </p:blipFill>
+        <p:spPr>
+          <a:xfrm>
+            <a:off x="5412647" y="3304725"/>
+            <a:ext cx="2711379" cy="2928746"/>
+          </a:xfrm>
+          <a:prstGeom prst="rect">
+            <a:avLst/>
+          </a:prstGeom>
+        </p:spPr>
+      </p:pic>
+      <p:pic>
+        <p:nvPicPr>
+          <p:cNvPr id="12" name="Рисунок 11" descr="Изображение выглядит как остановка, знак, движение, комната&#10;&#10;Автоматически созданное описание">
+            <a:extLst>
+              <a:ext uri="{FF2B5EF4-FFF2-40B4-BE49-F238E27FC236}">
+                <a16:creationId xmlns:a16="http://schemas.microsoft.com/office/drawing/2014/main" id="{FEEB4C73-9226-4DE7-9C71-FF94DA2ADA64}"/>
+              </a:ext>
+            </a:extLst>
+          </p:cNvPr>
+          <p:cNvPicPr>
+            <a:picLocks noChangeAspect="1"/>
+          </p:cNvPicPr>
+          <p:nvPr/>
+        </p:nvPicPr>
+        <p:blipFill>
+          <a:blip r:embed="rId4"/>
+          <a:stretch>
+            <a:fillRect/>
+          </a:stretch>
+        </p:blipFill>
+        <p:spPr>
+          <a:xfrm>
+            <a:off x="5641283" y="1901594"/>
+            <a:ext cx="2254110" cy="1380642"/>
+          </a:xfrm>
+          <a:prstGeom prst="rect">
+            <a:avLst/>
+          </a:prstGeom>
+        </p:spPr>
+      </p:pic>
+      <p:sp>
+        <p:nvSpPr>
+          <p:cNvPr id="14" name="Заголовок 1">
+            <a:extLst>
+              <a:ext uri="{FF2B5EF4-FFF2-40B4-BE49-F238E27FC236}">
+                <a16:creationId xmlns:a16="http://schemas.microsoft.com/office/drawing/2014/main" id="{593C37C1-3ACF-4376-979D-209425AE0BEA}"/>
+              </a:ext>
+            </a:extLst>
+          </p:cNvPr>
+          <p:cNvSpPr txBox="1">
+            <a:spLocks/>
+          </p:cNvSpPr>
+          <p:nvPr/>
+        </p:nvSpPr>
+        <p:spPr>
+          <a:xfrm>
+            <a:off x="5306127" y="6186640"/>
+            <a:ext cx="2924417" cy="565102"/>
+          </a:xfrm>
+          <a:prstGeom prst="rect">
+            <a:avLst/>
+          </a:prstGeom>
+        </p:spPr>
+        <p:txBody>
+          <a:bodyPr anchor="ctr"/>
+          <a:lstStyle>
+            <a:lvl1pPr algn="l" defTabSz="914400" rtl="0" eaLnBrk="1" latinLnBrk="0" hangingPunct="1">
+              <a:lnSpc>
+                <a:spcPct val="80000"/>
+              </a:lnSpc>
+              <a:spcBef>
+                <a:spcPct val="0"/>
+              </a:spcBef>
+              <a:buNone/>
+              <a:defRPr sz="2800" b="1" kern="1200">
+                <a:solidFill>
+                  <a:srgbClr val="263996"/>
+                </a:solidFill>
+                <a:latin typeface="+mn-lt"/>
+                <a:ea typeface="+mj-ea"/>
+                <a:cs typeface="+mj-cs"/>
+              </a:defRPr>
+            </a:lvl1pPr>
+          </a:lstStyle>
+          <a:p>
+            <a:r>
+              <a:rPr lang="ru-RU" sz="3600" b="0" dirty="0">
+                <a:solidFill>
+                  <a:schemeClr val="tx1"/>
+                </a:solidFill>
+                <a:latin typeface="+mj-lt"/>
+              </a:rPr>
+              <a:t>Трилатерация</a:t>
+            </a:r>
+          </a:p>
+        </p:txBody>
+      </p:sp>
+      <p:pic>
+        <p:nvPicPr>
+          <p:cNvPr id="15" name="Рисунок 14">
+            <a:extLst>
+              <a:ext uri="{FF2B5EF4-FFF2-40B4-BE49-F238E27FC236}">
+                <a16:creationId xmlns:a16="http://schemas.microsoft.com/office/drawing/2014/main" id="{FD2964CD-4BC4-49E4-893B-723026A1595B}"/>
+              </a:ext>
+            </a:extLst>
+          </p:cNvPr>
+          <p:cNvPicPr>
+            <a:picLocks noChangeAspect="1"/>
+          </p:cNvPicPr>
+          <p:nvPr/>
+        </p:nvPicPr>
+        <p:blipFill rotWithShape="1">
+          <a:blip r:embed="rId5"/>
+          <a:srcRect l="11920" r="12240"/>
+          <a:stretch/>
+        </p:blipFill>
+        <p:spPr>
+          <a:xfrm>
+            <a:off x="276262" y="1254151"/>
+            <a:ext cx="2379900" cy="2301239"/>
+          </a:xfrm>
+          <a:prstGeom prst="rect">
+            <a:avLst/>
+          </a:prstGeom>
+        </p:spPr>
+      </p:pic>
+      <p:pic>
+        <p:nvPicPr>
+          <p:cNvPr id="16" name="Рисунок 15">
+            <a:extLst>
+              <a:ext uri="{FF2B5EF4-FFF2-40B4-BE49-F238E27FC236}">
+                <a16:creationId xmlns:a16="http://schemas.microsoft.com/office/drawing/2014/main" id="{3B674DD9-5C86-423A-801F-910D59BE98F9}"/>
+              </a:ext>
+            </a:extLst>
+          </p:cNvPr>
+          <p:cNvPicPr>
+            <a:picLocks noChangeAspect="1"/>
+          </p:cNvPicPr>
+          <p:nvPr/>
+        </p:nvPicPr>
+        <p:blipFill rotWithShape="1">
+          <a:blip r:embed="rId6"/>
+          <a:srcRect t="6949" r="5941"/>
+          <a:stretch/>
+        </p:blipFill>
+        <p:spPr>
+          <a:xfrm>
+            <a:off x="303307" y="4206218"/>
+            <a:ext cx="2276871" cy="2365793"/>
+          </a:xfrm>
+          <a:prstGeom prst="rect">
+            <a:avLst/>
+          </a:prstGeom>
+        </p:spPr>
+      </p:pic>
+      <p:sp>
+        <p:nvSpPr>
+          <p:cNvPr id="17" name="Заголовок 1">
+            <a:extLst>
+              <a:ext uri="{FF2B5EF4-FFF2-40B4-BE49-F238E27FC236}">
+                <a16:creationId xmlns:a16="http://schemas.microsoft.com/office/drawing/2014/main" id="{ADAE5D8E-0152-47B4-830F-C38C380B39E0}"/>
+              </a:ext>
+            </a:extLst>
+          </p:cNvPr>
+          <p:cNvSpPr txBox="1">
+            <a:spLocks/>
+          </p:cNvSpPr>
+          <p:nvPr/>
+        </p:nvSpPr>
+        <p:spPr>
+          <a:xfrm>
+            <a:off x="409825" y="3641116"/>
+            <a:ext cx="2215619" cy="565102"/>
+          </a:xfrm>
+          <a:prstGeom prst="rect">
+            <a:avLst/>
+          </a:prstGeom>
+        </p:spPr>
+        <p:txBody>
+          <a:bodyPr anchor="ctr"/>
+          <a:lstStyle>
+            <a:lvl1pPr algn="l" defTabSz="914400" rtl="0" eaLnBrk="1" latinLnBrk="0" hangingPunct="1">
+              <a:lnSpc>
+                <a:spcPct val="80000"/>
+              </a:lnSpc>
+              <a:spcBef>
+                <a:spcPct val="0"/>
+              </a:spcBef>
+              <a:buNone/>
+              <a:defRPr sz="2800" b="1" kern="1200">
+                <a:solidFill>
+                  <a:srgbClr val="263996"/>
+                </a:solidFill>
+                <a:latin typeface="+mn-lt"/>
+                <a:ea typeface="+mj-ea"/>
+                <a:cs typeface="+mj-cs"/>
+              </a:defRPr>
+            </a:lvl1pPr>
+          </a:lstStyle>
+          <a:p>
+            <a:r>
+              <a:rPr lang="en-US" sz="3600" b="0" dirty="0">
+                <a:solidFill>
+                  <a:schemeClr val="tx1"/>
+                </a:solidFill>
+                <a:latin typeface="+mj-lt"/>
+              </a:rPr>
+              <a:t>PlatformIO</a:t>
+            </a:r>
+            <a:endParaRPr lang="ru-RU" sz="3600" b="0" dirty="0">
+              <a:solidFill>
+                <a:schemeClr val="tx1"/>
+              </a:solidFill>
+              <a:latin typeface="+mj-lt"/>
+            </a:endParaRPr>
+          </a:p>
+        </p:txBody>
+      </p:sp>
+      <p:sp>
+        <p:nvSpPr>
+          <p:cNvPr id="11" name="Прямоугольник 10">
+            <a:extLst>
+              <a:ext uri="{FF2B5EF4-FFF2-40B4-BE49-F238E27FC236}">
+                <a16:creationId xmlns:a16="http://schemas.microsoft.com/office/drawing/2014/main" id="{2A1E997A-D1B5-4551-998D-2F17DBD9C2E9}"/>
               </a:ext>
             </a:extLst>
           </p:cNvPr>
@@ -3672,244 +4263,366 @@
         </p:nvSpPr>
         <p:spPr>
           <a:xfrm>
-            <a:off x="418008" y="1490884"/>
-            <a:ext cx="11355984" cy="3046988"/>
-          </a:xfrm>
-          <a:prstGeom prst="rect">
-            <a:avLst/>
-          </a:prstGeom>
-        </p:spPr>
-        <p:txBody>
-          <a:bodyPr wrap="square">
-            <a:spAutoFit/>
-          </a:bodyPr>
+            <a:off x="121920" y="1011936"/>
+            <a:ext cx="2711379" cy="5725365"/>
+          </a:xfrm>
+          <a:prstGeom prst="rect">
+            <a:avLst/>
+          </a:prstGeom>
+          <a:noFill/>
+          <a:ln w="38100">
+            <a:solidFill>
+              <a:schemeClr val="tx1"/>
+            </a:solidFill>
+          </a:ln>
+        </p:spPr>
+        <p:style>
+          <a:lnRef idx="2">
+            <a:schemeClr val="accent1">
+              <a:shade val="50000"/>
+            </a:schemeClr>
+          </a:lnRef>
+          <a:fillRef idx="1">
+            <a:schemeClr val="accent1"/>
+          </a:fillRef>
+          <a:effectRef idx="0">
+            <a:schemeClr val="accent1"/>
+          </a:effectRef>
+          <a:fontRef idx="minor">
+            <a:schemeClr val="lt1"/>
+          </a:fontRef>
+        </p:style>
+        <p:txBody>
+          <a:bodyPr rtlCol="0" anchor="ctr"/>
           <a:lstStyle/>
           <a:p>
-            <a:r>
-              <a:rPr lang="ru-RU" sz="2400" dirty="0"/>
-              <a:t>Рассчитаем стоимость системы</a:t>
-            </a:r>
-            <a:r>
-              <a:rPr lang="en-US" sz="2400" dirty="0"/>
-              <a:t>:</a:t>
-            </a:r>
-          </a:p>
-          <a:p>
-            <a:r>
-              <a:rPr lang="ru-RU" sz="2400" b="1" i="1" dirty="0"/>
-              <a:t>4 базовые станции</a:t>
-            </a:r>
-            <a:r>
-              <a:rPr lang="en-US" sz="2400" b="1" i="1" dirty="0"/>
-              <a:t>: </a:t>
-            </a:r>
-            <a:r>
-              <a:rPr lang="en-US" sz="2400" dirty="0" err="1"/>
-              <a:t>Wemos</a:t>
-            </a:r>
-            <a:r>
-              <a:rPr lang="en-US" sz="2400" dirty="0"/>
-              <a:t> D1 mini + </a:t>
-            </a:r>
-            <a:r>
-              <a:rPr lang="ru-RU" sz="2400" dirty="0"/>
-              <a:t>Ультразвуковой датчик </a:t>
-            </a:r>
-            <a:r>
-              <a:rPr lang="en-US" sz="2400" dirty="0"/>
-              <a:t>HC-SR04</a:t>
-            </a:r>
-            <a:r>
-              <a:rPr lang="ru-RU" sz="2400" dirty="0"/>
-              <a:t> (всего по 4 шт.) </a:t>
-            </a:r>
-            <a:r>
-              <a:rPr lang="en-US" sz="2400" dirty="0"/>
-              <a:t>= </a:t>
-            </a:r>
-            <a:r>
-              <a:rPr lang="ru-RU" sz="2400" dirty="0"/>
-              <a:t>(</a:t>
-            </a:r>
-            <a:r>
-              <a:rPr lang="en-US" sz="2400" dirty="0"/>
-              <a:t>290</a:t>
-            </a:r>
-            <a:r>
-              <a:rPr lang="ru-RU" sz="2400" dirty="0"/>
-              <a:t> + </a:t>
-            </a:r>
-            <a:r>
-              <a:rPr lang="en-US" sz="2400" dirty="0"/>
-              <a:t>115</a:t>
-            </a:r>
-            <a:r>
-              <a:rPr lang="ru-RU" sz="2400" dirty="0"/>
-              <a:t>) *</a:t>
-            </a:r>
-            <a:r>
-              <a:rPr lang="en-US" sz="2400" dirty="0"/>
-              <a:t> </a:t>
-            </a:r>
-            <a:r>
-              <a:rPr lang="ru-RU" sz="2400" dirty="0"/>
-              <a:t>4 = 1620 руб.</a:t>
-            </a:r>
-          </a:p>
-          <a:p>
-            <a:r>
-              <a:rPr lang="ru-RU" sz="2400" b="1" i="1" dirty="0"/>
-              <a:t>оснащение будки спасателя</a:t>
-            </a:r>
-            <a:r>
-              <a:rPr lang="en-US" sz="2400" b="1" i="1" dirty="0"/>
-              <a:t>: </a:t>
-            </a:r>
-            <a:r>
-              <a:rPr lang="en-US" sz="2400" dirty="0"/>
-              <a:t>Orange Pi PC + </a:t>
-            </a:r>
-            <a:r>
-              <a:rPr lang="ru-RU" sz="2400" dirty="0"/>
-              <a:t>монитор + мощный (для того, чтобы покрыть всю область для плавания) роутер </a:t>
-            </a:r>
-            <a:r>
-              <a:rPr lang="en-US" sz="2400" dirty="0"/>
-              <a:t>= </a:t>
-            </a:r>
-            <a:r>
-              <a:rPr lang="ru-RU" sz="2400" dirty="0"/>
-              <a:t>1500 + 12000 + 10000 = 2</a:t>
-            </a:r>
-            <a:r>
-              <a:rPr lang="en-US" sz="2400" dirty="0"/>
-              <a:t>3500 </a:t>
-            </a:r>
-            <a:r>
-              <a:rPr lang="ru-RU" sz="2400" dirty="0"/>
-              <a:t>руб.</a:t>
-            </a:r>
-          </a:p>
-          <a:p>
-            <a:r>
-              <a:rPr lang="ru-RU" sz="2400" b="1" i="1" dirty="0"/>
-              <a:t>браслеты (на 10 чел.)</a:t>
-            </a:r>
-            <a:r>
-              <a:rPr lang="en-US" sz="2400" b="1" i="1" dirty="0"/>
-              <a:t>:</a:t>
-            </a:r>
-            <a:r>
-              <a:rPr lang="ru-RU" sz="2400" b="1" i="1" dirty="0"/>
-              <a:t> </a:t>
-            </a:r>
-            <a:r>
-              <a:rPr lang="en-US" sz="2400" dirty="0" err="1"/>
-              <a:t>Wemos</a:t>
-            </a:r>
-            <a:r>
-              <a:rPr lang="en-US" sz="2400" dirty="0"/>
-              <a:t> D1 mini + OLED </a:t>
-            </a:r>
-            <a:r>
-              <a:rPr lang="ru-RU" sz="2400" dirty="0"/>
-              <a:t>дисплей</a:t>
-            </a:r>
-            <a:r>
-              <a:rPr lang="en-US" sz="2400" dirty="0"/>
-              <a:t> 128x64 </a:t>
-            </a:r>
-            <a:r>
-              <a:rPr lang="ru-RU" sz="2400" dirty="0"/>
-              <a:t>+ вибромотор + Ультразвуковой датчик </a:t>
-            </a:r>
-            <a:r>
-              <a:rPr lang="en-US" sz="2400" dirty="0"/>
-              <a:t>HC-SR04</a:t>
-            </a:r>
-            <a:r>
-              <a:rPr lang="ru-RU" sz="2400" dirty="0"/>
-              <a:t> (всего по 10 шт.) = (</a:t>
-            </a:r>
-            <a:r>
-              <a:rPr lang="en-US" sz="2400" dirty="0"/>
-              <a:t>290</a:t>
-            </a:r>
-            <a:r>
-              <a:rPr lang="ru-RU" sz="2400" dirty="0"/>
-              <a:t> + 230 + 20) * 10 </a:t>
-            </a:r>
-            <a:r>
-              <a:rPr lang="en-US" sz="2400" dirty="0"/>
-              <a:t>= </a:t>
-            </a:r>
-            <a:r>
-              <a:rPr lang="ru-RU" sz="2400" dirty="0"/>
-              <a:t>5400 руб.</a:t>
-            </a:r>
-          </a:p>
-          <a:p>
-            <a:r>
-              <a:rPr lang="ru-RU" sz="2400" b="1" i="1" dirty="0"/>
-              <a:t>итого</a:t>
-            </a:r>
-            <a:r>
-              <a:rPr lang="en-US" sz="2400" b="1" i="1" dirty="0"/>
-              <a:t>:</a:t>
-            </a:r>
-            <a:r>
-              <a:rPr lang="ru-RU" sz="2400" b="1" i="1" dirty="0"/>
-              <a:t> </a:t>
-            </a:r>
-            <a:r>
-              <a:rPr lang="ru-RU" sz="2400" dirty="0"/>
-              <a:t>1620 + 2</a:t>
-            </a:r>
-            <a:r>
-              <a:rPr lang="en-US" sz="2400" dirty="0"/>
-              <a:t>3500</a:t>
-            </a:r>
-            <a:r>
-              <a:rPr lang="ru-RU" sz="2400" dirty="0"/>
-              <a:t> + 5400 </a:t>
-            </a:r>
-            <a:r>
-              <a:rPr lang="en-US" sz="2400" dirty="0"/>
-              <a:t>= </a:t>
-            </a:r>
-            <a:r>
-              <a:rPr lang="en-US" sz="2400" b="1" u="sng" dirty="0"/>
-              <a:t>30 520 </a:t>
-            </a:r>
-            <a:r>
-              <a:rPr lang="ru-RU" sz="2400" b="1" u="sng" dirty="0"/>
-              <a:t>рублей</a:t>
-            </a:r>
-          </a:p>
-        </p:txBody>
-      </p:sp>
+            <a:pPr algn="ctr"/>
+            <a:endParaRPr lang="ru-RU"/>
+          </a:p>
+        </p:txBody>
+      </p:sp>
+      <p:pic>
+        <p:nvPicPr>
+          <p:cNvPr id="18" name="Рисунок 17">
+            <a:extLst>
+              <a:ext uri="{FF2B5EF4-FFF2-40B4-BE49-F238E27FC236}">
+                <a16:creationId xmlns:a16="http://schemas.microsoft.com/office/drawing/2014/main" id="{53769E84-38D2-4080-9014-1C211531419C}"/>
+              </a:ext>
+            </a:extLst>
+          </p:cNvPr>
+          <p:cNvPicPr>
+            <a:picLocks noChangeAspect="1"/>
+          </p:cNvPicPr>
+          <p:nvPr/>
+        </p:nvPicPr>
+        <p:blipFill>
+          <a:blip r:embed="rId7"/>
+          <a:stretch>
+            <a:fillRect/>
+          </a:stretch>
+        </p:blipFill>
+        <p:spPr>
+          <a:xfrm>
+            <a:off x="5126042" y="1185368"/>
+            <a:ext cx="3443909" cy="693737"/>
+          </a:xfrm>
+          <a:prstGeom prst="rect">
+            <a:avLst/>
+          </a:prstGeom>
+        </p:spPr>
+      </p:pic>
+      <p:sp>
+        <p:nvSpPr>
+          <p:cNvPr id="21" name="Прямоугольник 20">
+            <a:extLst>
+              <a:ext uri="{FF2B5EF4-FFF2-40B4-BE49-F238E27FC236}">
+                <a16:creationId xmlns:a16="http://schemas.microsoft.com/office/drawing/2014/main" id="{216E51B9-7C3D-4BE9-8907-FE5D49A07A2B}"/>
+              </a:ext>
+            </a:extLst>
+          </p:cNvPr>
+          <p:cNvSpPr/>
+          <p:nvPr/>
+        </p:nvSpPr>
+        <p:spPr>
+          <a:xfrm>
+            <a:off x="4948905" y="1011935"/>
+            <a:ext cx="3590328" cy="5725365"/>
+          </a:xfrm>
+          <a:prstGeom prst="rect">
+            <a:avLst/>
+          </a:prstGeom>
+          <a:noFill/>
+          <a:ln w="38100">
+            <a:solidFill>
+              <a:schemeClr val="tx1"/>
+            </a:solidFill>
+          </a:ln>
+        </p:spPr>
+        <p:style>
+          <a:lnRef idx="2">
+            <a:schemeClr val="accent1">
+              <a:shade val="50000"/>
+            </a:schemeClr>
+          </a:lnRef>
+          <a:fillRef idx="1">
+            <a:schemeClr val="accent1"/>
+          </a:fillRef>
+          <a:effectRef idx="0">
+            <a:schemeClr val="accent1"/>
+          </a:effectRef>
+          <a:fontRef idx="minor">
+            <a:schemeClr val="lt1"/>
+          </a:fontRef>
+        </p:style>
+        <p:txBody>
+          <a:bodyPr rtlCol="0" anchor="ctr"/>
+          <a:lstStyle/>
+          <a:p>
+            <a:pPr algn="ctr"/>
+            <a:endParaRPr lang="ru-RU"/>
+          </a:p>
+        </p:txBody>
+      </p:sp>
+      <p:sp>
+        <p:nvSpPr>
+          <p:cNvPr id="23" name="Заголовок 1">
+            <a:extLst>
+              <a:ext uri="{FF2B5EF4-FFF2-40B4-BE49-F238E27FC236}">
+                <a16:creationId xmlns:a16="http://schemas.microsoft.com/office/drawing/2014/main" id="{B99D4BBF-6E77-4C80-A639-D2860D222EA6}"/>
+              </a:ext>
+            </a:extLst>
+          </p:cNvPr>
+          <p:cNvSpPr txBox="1">
+            <a:spLocks/>
+          </p:cNvSpPr>
+          <p:nvPr/>
+        </p:nvSpPr>
+        <p:spPr>
+          <a:xfrm>
+            <a:off x="8662066" y="2000161"/>
+            <a:ext cx="3590328" cy="565102"/>
+          </a:xfrm>
+          <a:prstGeom prst="rect">
+            <a:avLst/>
+          </a:prstGeom>
+        </p:spPr>
+        <p:txBody>
+          <a:bodyPr anchor="ctr"/>
+          <a:lstStyle>
+            <a:lvl1pPr algn="l" defTabSz="914400" rtl="0" eaLnBrk="1" latinLnBrk="0" hangingPunct="1">
+              <a:lnSpc>
+                <a:spcPct val="80000"/>
+              </a:lnSpc>
+              <a:spcBef>
+                <a:spcPct val="0"/>
+              </a:spcBef>
+              <a:buNone/>
+              <a:defRPr sz="2800" b="1" kern="1200">
+                <a:solidFill>
+                  <a:srgbClr val="263996"/>
+                </a:solidFill>
+                <a:latin typeface="+mn-lt"/>
+                <a:ea typeface="+mj-ea"/>
+                <a:cs typeface="+mj-cs"/>
+              </a:defRPr>
+            </a:lvl1pPr>
+          </a:lstStyle>
+          <a:p>
+            <a:r>
+              <a:rPr lang="ru-RU" sz="3600" b="0" dirty="0">
+                <a:solidFill>
+                  <a:schemeClr val="tx1"/>
+                </a:solidFill>
+                <a:latin typeface="+mj-lt"/>
+              </a:rPr>
+              <a:t>Клиентская часть</a:t>
+            </a:r>
+          </a:p>
+        </p:txBody>
+      </p:sp>
+      <p:sp>
+        <p:nvSpPr>
+          <p:cNvPr id="24" name="Прямоугольник 23">
+            <a:extLst>
+              <a:ext uri="{FF2B5EF4-FFF2-40B4-BE49-F238E27FC236}">
+                <a16:creationId xmlns:a16="http://schemas.microsoft.com/office/drawing/2014/main" id="{989F0FC4-C065-414F-8881-4308273A4A3F}"/>
+              </a:ext>
+            </a:extLst>
+          </p:cNvPr>
+          <p:cNvSpPr/>
+          <p:nvPr/>
+        </p:nvSpPr>
+        <p:spPr>
+          <a:xfrm>
+            <a:off x="8662066" y="2000161"/>
+            <a:ext cx="3482309" cy="565102"/>
+          </a:xfrm>
+          <a:prstGeom prst="rect">
+            <a:avLst/>
+          </a:prstGeom>
+          <a:noFill/>
+          <a:ln w="38100">
+            <a:solidFill>
+              <a:schemeClr val="tx1"/>
+            </a:solidFill>
+          </a:ln>
+        </p:spPr>
+        <p:style>
+          <a:lnRef idx="2">
+            <a:schemeClr val="accent1">
+              <a:shade val="50000"/>
+            </a:schemeClr>
+          </a:lnRef>
+          <a:fillRef idx="1">
+            <a:schemeClr val="accent1"/>
+          </a:fillRef>
+          <a:effectRef idx="0">
+            <a:schemeClr val="accent1"/>
+          </a:effectRef>
+          <a:fontRef idx="minor">
+            <a:schemeClr val="lt1"/>
+          </a:fontRef>
+        </p:style>
+        <p:txBody>
+          <a:bodyPr rtlCol="0" anchor="ctr"/>
+          <a:lstStyle/>
+          <a:p>
+            <a:pPr algn="ctr"/>
+            <a:endParaRPr lang="ru-RU"/>
+          </a:p>
+        </p:txBody>
+      </p:sp>
+      <p:pic>
+        <p:nvPicPr>
+          <p:cNvPr id="20" name="Рисунок 19">
+            <a:extLst>
+              <a:ext uri="{FF2B5EF4-FFF2-40B4-BE49-F238E27FC236}">
+                <a16:creationId xmlns:a16="http://schemas.microsoft.com/office/drawing/2014/main" id="{2812179F-35D6-48A3-AF01-AAF93D34DA41}"/>
+              </a:ext>
+            </a:extLst>
+          </p:cNvPr>
+          <p:cNvPicPr>
+            <a:picLocks noChangeAspect="1"/>
+          </p:cNvPicPr>
+          <p:nvPr/>
+        </p:nvPicPr>
+        <p:blipFill rotWithShape="1">
+          <a:blip r:embed="rId8"/>
+          <a:srcRect l="8400" t="40889" r="7237" b="41807"/>
+          <a:stretch/>
+        </p:blipFill>
+        <p:spPr>
+          <a:xfrm>
+            <a:off x="2945901" y="1025336"/>
+            <a:ext cx="1890402" cy="506900"/>
+          </a:xfrm>
+          <a:prstGeom prst="rect">
+            <a:avLst/>
+          </a:prstGeom>
+        </p:spPr>
+      </p:pic>
+      <p:cxnSp>
+        <p:nvCxnSpPr>
+          <p:cNvPr id="26" name="Прямая со стрелкой 25">
+            <a:extLst>
+              <a:ext uri="{FF2B5EF4-FFF2-40B4-BE49-F238E27FC236}">
+                <a16:creationId xmlns:a16="http://schemas.microsoft.com/office/drawing/2014/main" id="{272ECA91-A94E-43E9-8A7E-773A7DAD1950}"/>
+              </a:ext>
+            </a:extLst>
+          </p:cNvPr>
+          <p:cNvCxnSpPr>
+            <a:cxnSpLocks/>
+          </p:cNvCxnSpPr>
+          <p:nvPr/>
+        </p:nvCxnSpPr>
+        <p:spPr>
+          <a:xfrm>
+            <a:off x="2982246" y="1695958"/>
+            <a:ext cx="1817711" cy="0"/>
+          </a:xfrm>
+          <a:prstGeom prst="straightConnector1">
+            <a:avLst/>
+          </a:prstGeom>
+          <a:ln w="76200">
+            <a:solidFill>
+              <a:schemeClr val="tx1"/>
+            </a:solidFill>
+            <a:headEnd type="triangle"/>
+            <a:tailEnd type="triangle"/>
+          </a:ln>
+        </p:spPr>
+        <p:style>
+          <a:lnRef idx="1">
+            <a:schemeClr val="accent1"/>
+          </a:lnRef>
+          <a:fillRef idx="0">
+            <a:schemeClr val="accent1"/>
+          </a:fillRef>
+          <a:effectRef idx="0">
+            <a:schemeClr val="accent1"/>
+          </a:effectRef>
+          <a:fontRef idx="minor">
+            <a:schemeClr val="tx1"/>
+          </a:fontRef>
+        </p:style>
+      </p:cxnSp>
+      <p:cxnSp>
+        <p:nvCxnSpPr>
+          <p:cNvPr id="29" name="Прямая со стрелкой 28">
+            <a:extLst>
+              <a:ext uri="{FF2B5EF4-FFF2-40B4-BE49-F238E27FC236}">
+                <a16:creationId xmlns:a16="http://schemas.microsoft.com/office/drawing/2014/main" id="{5B97FE7F-9A55-4421-ACB7-439F637F8ECB}"/>
+              </a:ext>
+            </a:extLst>
+          </p:cNvPr>
+          <p:cNvCxnSpPr>
+            <a:cxnSpLocks/>
+            <a:stCxn id="24" idx="2"/>
+            <a:endCxn id="21" idx="3"/>
+          </p:cNvCxnSpPr>
+          <p:nvPr/>
+        </p:nvCxnSpPr>
+        <p:spPr>
+          <a:xfrm flipH="1">
+            <a:off x="8539233" y="2565263"/>
+            <a:ext cx="1863988" cy="1309355"/>
+          </a:xfrm>
+          <a:prstGeom prst="straightConnector1">
+            <a:avLst/>
+          </a:prstGeom>
+          <a:ln w="76200">
+            <a:solidFill>
+              <a:schemeClr val="tx1"/>
+            </a:solidFill>
+            <a:headEnd type="triangle"/>
+            <a:tailEnd type="triangle"/>
+          </a:ln>
+        </p:spPr>
+        <p:style>
+          <a:lnRef idx="1">
+            <a:schemeClr val="accent1"/>
+          </a:lnRef>
+          <a:fillRef idx="0">
+            <a:schemeClr val="accent1"/>
+          </a:fillRef>
+          <a:effectRef idx="0">
+            <a:schemeClr val="accent1"/>
+          </a:effectRef>
+          <a:fontRef idx="minor">
+            <a:schemeClr val="tx1"/>
+          </a:fontRef>
+        </p:style>
+      </p:cxnSp>
     </p:spTree>
     <p:extLst>
       <p:ext uri="{BB962C8B-B14F-4D97-AF65-F5344CB8AC3E}">
-        <p14:creationId xmlns:p14="http://schemas.microsoft.com/office/powerpoint/2010/main" val="4282321112"/>
+        <p14:creationId xmlns:p14="http://schemas.microsoft.com/office/powerpoint/2010/main" val="3472874091"/>
       </p:ext>
     </p:extLst>
   </p:cSld>
   <p:clrMapOvr>
     <a:masterClrMapping/>
   </p:clrMapOvr>
-  <mc:AlternateContent xmlns:mc="http://schemas.openxmlformats.org/markup-compatibility/2006" xmlns:p14="http://schemas.microsoft.com/office/powerpoint/2010/main">
-    <mc:Choice Requires="p14">
-      <p:transition spd="med" p14:dur="700">
-        <p:fade/>
-      </p:transition>
-    </mc:Choice>
-    <mc:Fallback xmlns="">
-      <p:transition spd="med">
-        <p:fade/>
-      </p:transition>
-    </mc:Fallback>
-  </mc:AlternateContent>
 </p:sld>
 </file>
 
@@ -3940,14 +4653,19 @@
             <p:ph type="title"/>
           </p:nvPr>
         </p:nvSpPr>
-        <p:spPr/>
+        <p:spPr>
+          <a:xfrm>
+            <a:off x="539616" y="167038"/>
+            <a:ext cx="9135667" cy="565102"/>
+          </a:xfrm>
+        </p:spPr>
         <p:txBody>
           <a:bodyPr/>
           <a:lstStyle/>
           <a:p>
             <a:r>
-              <a:rPr lang="ru-RU" dirty="0"/>
-              <a:t>ЗАГОЛОВОК</a:t>
+              <a:rPr lang="ru-RU" sz="3600" dirty="0"/>
+              <a:t>Программная часть (Клиентский интерфейс)</a:t>
             </a:r>
           </a:p>
         </p:txBody>
@@ -4009,28 +4727,602 @@
           </a:p>
         </p:txBody>
       </p:sp>
+      <p:pic>
+        <p:nvPicPr>
+          <p:cNvPr id="6" name="Рисунок 5">
+            <a:extLst>
+              <a:ext uri="{FF2B5EF4-FFF2-40B4-BE49-F238E27FC236}">
+                <a16:creationId xmlns:a16="http://schemas.microsoft.com/office/drawing/2014/main" id="{B09288BB-6285-4BAC-8ACA-F536021BEF50}"/>
+              </a:ext>
+            </a:extLst>
+          </p:cNvPr>
+          <p:cNvPicPr>
+            <a:picLocks noChangeAspect="1"/>
+          </p:cNvPicPr>
+          <p:nvPr/>
+        </p:nvPicPr>
+        <p:blipFill>
+          <a:blip r:embed="rId2"/>
+          <a:stretch>
+            <a:fillRect/>
+          </a:stretch>
+        </p:blipFill>
+        <p:spPr>
+          <a:xfrm>
+            <a:off x="155781" y="1242007"/>
+            <a:ext cx="9475564" cy="5330004"/>
+          </a:xfrm>
+          <a:prstGeom prst="rect">
+            <a:avLst/>
+          </a:prstGeom>
+        </p:spPr>
+      </p:pic>
+      <p:pic>
+        <p:nvPicPr>
+          <p:cNvPr id="10" name="Рисунок 9">
+            <a:extLst>
+              <a:ext uri="{FF2B5EF4-FFF2-40B4-BE49-F238E27FC236}">
+                <a16:creationId xmlns:a16="http://schemas.microsoft.com/office/drawing/2014/main" id="{E72B810B-0277-40E3-B995-77AA5516DB82}"/>
+              </a:ext>
+            </a:extLst>
+          </p:cNvPr>
+          <p:cNvPicPr>
+            <a:picLocks noChangeAspect="1"/>
+          </p:cNvPicPr>
+          <p:nvPr/>
+        </p:nvPicPr>
+        <p:blipFill>
+          <a:blip r:embed="rId3"/>
+          <a:stretch>
+            <a:fillRect/>
+          </a:stretch>
+        </p:blipFill>
+        <p:spPr>
+          <a:xfrm>
+            <a:off x="9719220" y="1278164"/>
+            <a:ext cx="2273061" cy="2273061"/>
+          </a:xfrm>
+          <a:prstGeom prst="rect">
+            <a:avLst/>
+          </a:prstGeom>
+        </p:spPr>
+      </p:pic>
+      <p:pic>
+        <p:nvPicPr>
+          <p:cNvPr id="22" name="Рисунок 21">
+            <a:extLst>
+              <a:ext uri="{FF2B5EF4-FFF2-40B4-BE49-F238E27FC236}">
+                <a16:creationId xmlns:a16="http://schemas.microsoft.com/office/drawing/2014/main" id="{B98854FD-3FBF-454E-8462-9AAF2F8623AB}"/>
+              </a:ext>
+            </a:extLst>
+          </p:cNvPr>
+          <p:cNvPicPr>
+            <a:picLocks noChangeAspect="1"/>
+          </p:cNvPicPr>
+          <p:nvPr/>
+        </p:nvPicPr>
+        <p:blipFill rotWithShape="1">
+          <a:blip r:embed="rId4"/>
+          <a:srcRect l="16716" t="8970" r="14668" b="7050"/>
+          <a:stretch/>
+        </p:blipFill>
+        <p:spPr>
+          <a:xfrm>
+            <a:off x="9675283" y="3780663"/>
+            <a:ext cx="2360936" cy="2889504"/>
+          </a:xfrm>
+          <a:prstGeom prst="rect">
+            <a:avLst/>
+          </a:prstGeom>
+        </p:spPr>
+      </p:pic>
     </p:spTree>
     <p:extLst>
       <p:ext uri="{BB962C8B-B14F-4D97-AF65-F5344CB8AC3E}">
-        <p14:creationId xmlns:p14="http://schemas.microsoft.com/office/powerpoint/2010/main" val="3611525626"/>
+        <p14:creationId xmlns:p14="http://schemas.microsoft.com/office/powerpoint/2010/main" val="3036291371"/>
       </p:ext>
     </p:extLst>
   </p:cSld>
   <p:clrMapOvr>
     <a:masterClrMapping/>
   </p:clrMapOvr>
-  <mc:AlternateContent xmlns:mc="http://schemas.openxmlformats.org/markup-compatibility/2006" xmlns:p14="http://schemas.microsoft.com/office/powerpoint/2010/main">
-    <mc:Choice Requires="p14">
-      <p:transition spd="med" p14:dur="700">
-        <p:fade/>
-      </p:transition>
-    </mc:Choice>
-    <mc:Fallback xmlns="">
-      <p:transition spd="med">
-        <p:fade/>
-      </p:transition>
-    </mc:Fallback>
-  </mc:AlternateContent>
+</p:sld>
+</file>
+
+<file path=ppt/slides/slide8.xml><?xml version="1.0" encoding="utf-8"?>
+<p:sld xmlns:a="http://schemas.openxmlformats.org/drawingml/2006/main" xmlns:r="http://schemas.openxmlformats.org/officeDocument/2006/relationships" xmlns:p="http://schemas.openxmlformats.org/presentationml/2006/main">
+  <p:cSld>
+    <p:spTree>
+      <p:nvGrpSpPr>
+        <p:cNvPr id="1" name=""/>
+        <p:cNvGrpSpPr/>
+        <p:nvPr/>
+      </p:nvGrpSpPr>
+      <p:grpSpPr>
+        <a:xfrm>
+          <a:off x="0" y="0"/>
+          <a:ext cx="0" cy="0"/>
+          <a:chOff x="0" y="0"/>
+          <a:chExt cx="0" cy="0"/>
+        </a:xfrm>
+      </p:grpSpPr>
+      <p:sp>
+        <p:nvSpPr>
+          <p:cNvPr id="2" name="Заголовок 1"/>
+          <p:cNvSpPr>
+            <a:spLocks noGrp="1"/>
+          </p:cNvSpPr>
+          <p:nvPr>
+            <p:ph type="title"/>
+          </p:nvPr>
+        </p:nvSpPr>
+        <p:spPr>
+          <a:xfrm>
+            <a:off x="545869" y="120699"/>
+            <a:ext cx="8789517" cy="565102"/>
+          </a:xfrm>
+        </p:spPr>
+        <p:txBody>
+          <a:bodyPr/>
+          <a:lstStyle/>
+          <a:p>
+            <a:r>
+              <a:rPr lang="ru-RU" sz="3600" dirty="0"/>
+              <a:t>Энергопотребление</a:t>
+            </a:r>
+          </a:p>
+        </p:txBody>
+      </p:sp>
+      <p:sp>
+        <p:nvSpPr>
+          <p:cNvPr id="3" name="Прямоугольник 2">
+            <a:extLst>
+              <a:ext uri="{FF2B5EF4-FFF2-40B4-BE49-F238E27FC236}">
+                <a16:creationId xmlns:a16="http://schemas.microsoft.com/office/drawing/2014/main" id="{59571F31-9151-41CC-B714-AC2C8103A133}"/>
+              </a:ext>
+            </a:extLst>
+          </p:cNvPr>
+          <p:cNvSpPr/>
+          <p:nvPr/>
+        </p:nvSpPr>
+        <p:spPr>
+          <a:xfrm>
+            <a:off x="8975725" y="6314836"/>
+            <a:ext cx="3168650" cy="514350"/>
+          </a:xfrm>
+          <a:prstGeom prst="rect">
+            <a:avLst/>
+          </a:prstGeom>
+          <a:solidFill>
+            <a:schemeClr val="bg1"/>
+          </a:solidFill>
+          <a:ln>
+            <a:solidFill>
+              <a:schemeClr val="bg1"/>
+            </a:solidFill>
+          </a:ln>
+          <a:effectLst>
+            <a:softEdge rad="127000"/>
+          </a:effectLst>
+        </p:spPr>
+        <p:style>
+          <a:lnRef idx="2">
+            <a:schemeClr val="accent1">
+              <a:shade val="50000"/>
+            </a:schemeClr>
+          </a:lnRef>
+          <a:fillRef idx="1">
+            <a:schemeClr val="accent1"/>
+          </a:fillRef>
+          <a:effectRef idx="0">
+            <a:schemeClr val="accent1"/>
+          </a:effectRef>
+          <a:fontRef idx="minor">
+            <a:schemeClr val="lt1"/>
+          </a:fontRef>
+        </p:style>
+        <p:txBody>
+          <a:bodyPr rtlCol="0" anchor="ctr"/>
+          <a:lstStyle/>
+          <a:p>
+            <a:pPr algn="ctr"/>
+            <a:endParaRPr lang="ru-RU"/>
+          </a:p>
+        </p:txBody>
+      </p:sp>
+      <p:sp>
+        <p:nvSpPr>
+          <p:cNvPr id="4" name="Прямоугольник 3">
+            <a:extLst>
+              <a:ext uri="{FF2B5EF4-FFF2-40B4-BE49-F238E27FC236}">
+                <a16:creationId xmlns:a16="http://schemas.microsoft.com/office/drawing/2014/main" id="{D6275BF4-40C2-49B3-BA5E-C194AD58E00D}"/>
+              </a:ext>
+            </a:extLst>
+          </p:cNvPr>
+          <p:cNvSpPr/>
+          <p:nvPr/>
+        </p:nvSpPr>
+        <p:spPr>
+          <a:xfrm>
+            <a:off x="418008" y="1490884"/>
+            <a:ext cx="11355984" cy="461665"/>
+          </a:xfrm>
+          <a:prstGeom prst="rect">
+            <a:avLst/>
+          </a:prstGeom>
+        </p:spPr>
+        <p:txBody>
+          <a:bodyPr wrap="square">
+            <a:spAutoFit/>
+          </a:bodyPr>
+          <a:lstStyle/>
+          <a:p>
+            <a:r>
+              <a:rPr lang="en-US" sz="2400" b="1" u="sng" dirty="0" err="1"/>
+              <a:t>Wemos</a:t>
+            </a:r>
+            <a:r>
+              <a:rPr lang="en-US" sz="2400" b="1" u="sng" dirty="0"/>
+              <a:t> D1 mini: 1</a:t>
+            </a:r>
+            <a:endParaRPr lang="ru-RU" sz="2400" b="1" u="sng" dirty="0"/>
+          </a:p>
+        </p:txBody>
+      </p:sp>
+    </p:spTree>
+    <p:extLst>
+      <p:ext uri="{BB962C8B-B14F-4D97-AF65-F5344CB8AC3E}">
+        <p14:creationId xmlns:p14="http://schemas.microsoft.com/office/powerpoint/2010/main" val="1836858088"/>
+      </p:ext>
+    </p:extLst>
+  </p:cSld>
+  <p:clrMapOvr>
+    <a:masterClrMapping/>
+  </p:clrMapOvr>
+</p:sld>
+</file>
+
+<file path=ppt/slides/slide9.xml><?xml version="1.0" encoding="utf-8"?>
+<p:sld xmlns:a="http://schemas.openxmlformats.org/drawingml/2006/main" xmlns:r="http://schemas.openxmlformats.org/officeDocument/2006/relationships" xmlns:p="http://schemas.openxmlformats.org/presentationml/2006/main">
+  <p:cSld>
+    <p:spTree>
+      <p:nvGrpSpPr>
+        <p:cNvPr id="1" name=""/>
+        <p:cNvGrpSpPr/>
+        <p:nvPr/>
+      </p:nvGrpSpPr>
+      <p:grpSpPr>
+        <a:xfrm>
+          <a:off x="0" y="0"/>
+          <a:ext cx="0" cy="0"/>
+          <a:chOff x="0" y="0"/>
+          <a:chExt cx="0" cy="0"/>
+        </a:xfrm>
+      </p:grpSpPr>
+      <p:sp>
+        <p:nvSpPr>
+          <p:cNvPr id="2" name="Заголовок 1"/>
+          <p:cNvSpPr>
+            <a:spLocks noGrp="1"/>
+          </p:cNvSpPr>
+          <p:nvPr>
+            <p:ph type="title"/>
+          </p:nvPr>
+        </p:nvSpPr>
+        <p:spPr>
+          <a:xfrm>
+            <a:off x="545869" y="120699"/>
+            <a:ext cx="8789517" cy="565102"/>
+          </a:xfrm>
+        </p:spPr>
+        <p:txBody>
+          <a:bodyPr/>
+          <a:lstStyle/>
+          <a:p>
+            <a:r>
+              <a:rPr lang="ru-RU" sz="3600" dirty="0"/>
+              <a:t>Стоимость системы</a:t>
+            </a:r>
+          </a:p>
+        </p:txBody>
+      </p:sp>
+      <p:sp>
+        <p:nvSpPr>
+          <p:cNvPr id="3" name="Прямоугольник 2">
+            <a:extLst>
+              <a:ext uri="{FF2B5EF4-FFF2-40B4-BE49-F238E27FC236}">
+                <a16:creationId xmlns:a16="http://schemas.microsoft.com/office/drawing/2014/main" id="{59571F31-9151-41CC-B714-AC2C8103A133}"/>
+              </a:ext>
+            </a:extLst>
+          </p:cNvPr>
+          <p:cNvSpPr/>
+          <p:nvPr/>
+        </p:nvSpPr>
+        <p:spPr>
+          <a:xfrm>
+            <a:off x="8975725" y="6314836"/>
+            <a:ext cx="3168650" cy="514350"/>
+          </a:xfrm>
+          <a:prstGeom prst="rect">
+            <a:avLst/>
+          </a:prstGeom>
+          <a:solidFill>
+            <a:schemeClr val="bg1"/>
+          </a:solidFill>
+          <a:ln>
+            <a:solidFill>
+              <a:schemeClr val="bg1"/>
+            </a:solidFill>
+          </a:ln>
+          <a:effectLst>
+            <a:softEdge rad="127000"/>
+          </a:effectLst>
+        </p:spPr>
+        <p:style>
+          <a:lnRef idx="2">
+            <a:schemeClr val="accent1">
+              <a:shade val="50000"/>
+            </a:schemeClr>
+          </a:lnRef>
+          <a:fillRef idx="1">
+            <a:schemeClr val="accent1"/>
+          </a:fillRef>
+          <a:effectRef idx="0">
+            <a:schemeClr val="accent1"/>
+          </a:effectRef>
+          <a:fontRef idx="minor">
+            <a:schemeClr val="lt1"/>
+          </a:fontRef>
+        </p:style>
+        <p:txBody>
+          <a:bodyPr rtlCol="0" anchor="ctr"/>
+          <a:lstStyle/>
+          <a:p>
+            <a:pPr algn="ctr"/>
+            <a:endParaRPr lang="ru-RU"/>
+          </a:p>
+        </p:txBody>
+      </p:sp>
+      <p:sp>
+        <p:nvSpPr>
+          <p:cNvPr id="4" name="Прямоугольник 3">
+            <a:extLst>
+              <a:ext uri="{FF2B5EF4-FFF2-40B4-BE49-F238E27FC236}">
+                <a16:creationId xmlns:a16="http://schemas.microsoft.com/office/drawing/2014/main" id="{D6275BF4-40C2-49B3-BA5E-C194AD58E00D}"/>
+              </a:ext>
+            </a:extLst>
+          </p:cNvPr>
+          <p:cNvSpPr/>
+          <p:nvPr/>
+        </p:nvSpPr>
+        <p:spPr>
+          <a:xfrm>
+            <a:off x="418008" y="1490884"/>
+            <a:ext cx="11355984" cy="3046988"/>
+          </a:xfrm>
+          <a:prstGeom prst="rect">
+            <a:avLst/>
+          </a:prstGeom>
+        </p:spPr>
+        <p:txBody>
+          <a:bodyPr wrap="square">
+            <a:spAutoFit/>
+          </a:bodyPr>
+          <a:lstStyle/>
+          <a:p>
+            <a:r>
+              <a:rPr lang="ru-RU" sz="2400" dirty="0"/>
+              <a:t>Рассчитаем стоимость системы</a:t>
+            </a:r>
+            <a:r>
+              <a:rPr lang="en-US" sz="2400" dirty="0"/>
+              <a:t>:</a:t>
+            </a:r>
+          </a:p>
+          <a:p>
+            <a:r>
+              <a:rPr lang="ru-RU" sz="2400" b="1" i="1" dirty="0"/>
+              <a:t>4 базовые станции</a:t>
+            </a:r>
+            <a:r>
+              <a:rPr lang="en-US" sz="2400" b="1" i="1" dirty="0"/>
+              <a:t>: </a:t>
+            </a:r>
+            <a:r>
+              <a:rPr lang="en-US" sz="2400" dirty="0" err="1"/>
+              <a:t>Wemos</a:t>
+            </a:r>
+            <a:r>
+              <a:rPr lang="en-US" sz="2400" dirty="0"/>
+              <a:t> D1 mini + </a:t>
+            </a:r>
+            <a:r>
+              <a:rPr lang="ru-RU" sz="2400" dirty="0"/>
+              <a:t>Ультразвуковой датчик </a:t>
+            </a:r>
+            <a:r>
+              <a:rPr lang="en-US" sz="2400" dirty="0"/>
+              <a:t>HC-SR04</a:t>
+            </a:r>
+            <a:r>
+              <a:rPr lang="ru-RU" sz="2400" dirty="0"/>
+              <a:t> (всего по 4 шт.) </a:t>
+            </a:r>
+            <a:r>
+              <a:rPr lang="en-US" sz="2400" dirty="0"/>
+              <a:t>= </a:t>
+            </a:r>
+            <a:r>
+              <a:rPr lang="ru-RU" sz="2400" dirty="0"/>
+              <a:t>(</a:t>
+            </a:r>
+            <a:r>
+              <a:rPr lang="en-US" sz="2400" dirty="0"/>
+              <a:t>290</a:t>
+            </a:r>
+            <a:r>
+              <a:rPr lang="ru-RU" sz="2400" dirty="0"/>
+              <a:t> + </a:t>
+            </a:r>
+            <a:r>
+              <a:rPr lang="en-US" sz="2400" dirty="0"/>
+              <a:t>115</a:t>
+            </a:r>
+            <a:r>
+              <a:rPr lang="ru-RU" sz="2400" dirty="0"/>
+              <a:t>) *</a:t>
+            </a:r>
+            <a:r>
+              <a:rPr lang="en-US" sz="2400" dirty="0"/>
+              <a:t> </a:t>
+            </a:r>
+            <a:r>
+              <a:rPr lang="ru-RU" sz="2400" dirty="0"/>
+              <a:t>4 = 1620 руб.</a:t>
+            </a:r>
+          </a:p>
+          <a:p>
+            <a:r>
+              <a:rPr lang="ru-RU" sz="2400" b="1" i="1" dirty="0"/>
+              <a:t>оснащение будки спасателя</a:t>
+            </a:r>
+            <a:r>
+              <a:rPr lang="en-US" sz="2400" b="1" i="1" dirty="0"/>
+              <a:t>: </a:t>
+            </a:r>
+            <a:r>
+              <a:rPr lang="en-US" sz="2400" dirty="0"/>
+              <a:t>Orange Pi PC + </a:t>
+            </a:r>
+            <a:r>
+              <a:rPr lang="ru-RU" sz="2400" dirty="0"/>
+              <a:t>монитор + мощный (для того, чтобы покрыть всю область для плавания) роутер </a:t>
+            </a:r>
+            <a:r>
+              <a:rPr lang="en-US" sz="2400" dirty="0"/>
+              <a:t>= </a:t>
+            </a:r>
+            <a:r>
+              <a:rPr lang="ru-RU" sz="2400" dirty="0"/>
+              <a:t>1500 + 12000 + 10000 = 2</a:t>
+            </a:r>
+            <a:r>
+              <a:rPr lang="en-US" sz="2400" dirty="0"/>
+              <a:t>3500 </a:t>
+            </a:r>
+            <a:r>
+              <a:rPr lang="ru-RU" sz="2400" dirty="0"/>
+              <a:t>руб.</a:t>
+            </a:r>
+          </a:p>
+          <a:p>
+            <a:r>
+              <a:rPr lang="ru-RU" sz="2400" b="1" i="1" dirty="0"/>
+              <a:t>браслеты (на 10 чел.)</a:t>
+            </a:r>
+            <a:r>
+              <a:rPr lang="en-US" sz="2400" b="1" i="1" dirty="0"/>
+              <a:t>:</a:t>
+            </a:r>
+            <a:r>
+              <a:rPr lang="ru-RU" sz="2400" b="1" i="1" dirty="0"/>
+              <a:t> </a:t>
+            </a:r>
+            <a:r>
+              <a:rPr lang="en-US" sz="2400" dirty="0" err="1"/>
+              <a:t>Wemos</a:t>
+            </a:r>
+            <a:r>
+              <a:rPr lang="en-US" sz="2400" dirty="0"/>
+              <a:t> D1 mini + OLED </a:t>
+            </a:r>
+            <a:r>
+              <a:rPr lang="ru-RU" sz="2400" dirty="0"/>
+              <a:t>дисплей</a:t>
+            </a:r>
+            <a:r>
+              <a:rPr lang="en-US" sz="2400" dirty="0"/>
+              <a:t> 128x64 </a:t>
+            </a:r>
+            <a:r>
+              <a:rPr lang="ru-RU" sz="2400" dirty="0"/>
+              <a:t>+ вибромотор + Ультразвуковой датчик </a:t>
+            </a:r>
+            <a:r>
+              <a:rPr lang="en-US" sz="2400" dirty="0"/>
+              <a:t>HC-SR04</a:t>
+            </a:r>
+            <a:r>
+              <a:rPr lang="ru-RU" sz="2400" dirty="0"/>
+              <a:t> (всего по 10 шт.) = (</a:t>
+            </a:r>
+            <a:r>
+              <a:rPr lang="en-US" sz="2400" dirty="0"/>
+              <a:t>290</a:t>
+            </a:r>
+            <a:r>
+              <a:rPr lang="ru-RU" sz="2400" dirty="0"/>
+              <a:t> + 230 + 20) * 10 </a:t>
+            </a:r>
+            <a:r>
+              <a:rPr lang="en-US" sz="2400" dirty="0"/>
+              <a:t>= </a:t>
+            </a:r>
+            <a:r>
+              <a:rPr lang="ru-RU" sz="2400" dirty="0"/>
+              <a:t>5400 руб.</a:t>
+            </a:r>
+          </a:p>
+          <a:p>
+            <a:r>
+              <a:rPr lang="ru-RU" sz="2400" b="1" i="1" dirty="0"/>
+              <a:t>итого</a:t>
+            </a:r>
+            <a:r>
+              <a:rPr lang="en-US" sz="2400" b="1" i="1" dirty="0"/>
+              <a:t>:</a:t>
+            </a:r>
+            <a:r>
+              <a:rPr lang="ru-RU" sz="2400" b="1" i="1" dirty="0"/>
+              <a:t> </a:t>
+            </a:r>
+            <a:r>
+              <a:rPr lang="ru-RU" sz="2400" dirty="0"/>
+              <a:t>1620 + 2</a:t>
+            </a:r>
+            <a:r>
+              <a:rPr lang="en-US" sz="2400" dirty="0"/>
+              <a:t>3500</a:t>
+            </a:r>
+            <a:r>
+              <a:rPr lang="ru-RU" sz="2400" dirty="0"/>
+              <a:t> + 5400 </a:t>
+            </a:r>
+            <a:r>
+              <a:rPr lang="en-US" sz="2400" dirty="0"/>
+              <a:t>= </a:t>
+            </a:r>
+            <a:r>
+              <a:rPr lang="en-US" sz="2400" b="1" u="sng" dirty="0"/>
+              <a:t>30 520 </a:t>
+            </a:r>
+            <a:r>
+              <a:rPr lang="ru-RU" sz="2400" b="1" u="sng" dirty="0"/>
+              <a:t>рублей</a:t>
+            </a:r>
+          </a:p>
+        </p:txBody>
+      </p:sp>
+    </p:spTree>
+    <p:extLst>
+      <p:ext uri="{BB962C8B-B14F-4D97-AF65-F5344CB8AC3E}">
+        <p14:creationId xmlns:p14="http://schemas.microsoft.com/office/powerpoint/2010/main" val="4282321112"/>
+      </p:ext>
+    </p:extLst>
+  </p:cSld>
+  <p:clrMapOvr>
+    <a:masterClrMapping/>
+  </p:clrMapOvr>
 </p:sld>
 </file>
 
